--- a/TeamProject1_TrafficViolationMD.pptx
+++ b/TeamProject1_TrafficViolationMD.pptx
@@ -22329,7 +22329,7 @@
             <a:tbl>
               <a:tblPr bandRow="1" firstRow="1">
                 <a:noFill/>
-                <a:tableStyleId>{096F9FF3-837D-4EC5-B848-8C8131FAE664}</a:tableStyleId>
+                <a:tableStyleId>{46FF4F04-0C35-4DB5-B688-CA29F152A119}</a:tableStyleId>
               </a:tblPr>
               <a:tblGrid>
                 <a:gridCol w="4889500"/>
@@ -23330,7 +23330,7 @@
             <a:tbl>
               <a:tblPr bandRow="1" firstRow="1">
                 <a:noFill/>
-                <a:tableStyleId>{096F9FF3-837D-4EC5-B848-8C8131FAE664}</a:tableStyleId>
+                <a:tableStyleId>{46FF4F04-0C35-4DB5-B688-CA29F152A119}</a:tableStyleId>
               </a:tblPr>
               <a:tblGrid>
                 <a:gridCol w="2036875"/>
@@ -23733,7 +23733,7 @@
             <a:tbl>
               <a:tblPr bandRow="1" firstRow="1">
                 <a:noFill/>
-                <a:tableStyleId>{096F9FF3-837D-4EC5-B848-8C8131FAE664}</a:tableStyleId>
+                <a:tableStyleId>{46FF4F04-0C35-4DB5-B688-CA29F152A119}</a:tableStyleId>
               </a:tblPr>
               <a:tblGrid>
                 <a:gridCol w="4064000"/>
@@ -26058,7 +26058,7 @@
             <a:tbl>
               <a:tblPr bandRow="1" firstRow="1">
                 <a:noFill/>
-                <a:tableStyleId>{096F9FF3-837D-4EC5-B848-8C8131FAE664}</a:tableStyleId>
+                <a:tableStyleId>{46FF4F04-0C35-4DB5-B688-CA29F152A119}</a:tableStyleId>
               </a:tblPr>
               <a:tblGrid>
                 <a:gridCol w="9627300"/>
@@ -27423,7 +27423,79 @@
                 <a:cs typeface="Bookman Old Style"/>
                 <a:sym typeface="Bookman Old Style"/>
               </a:rPr>
-              <a:t>Extracted ‘year’, ‘month’ and ‘Weekday’ from Date Of Stop and timestamp and minutes from Time Of Stop to generate new columns</a:t>
+              <a:t>Extracted ‘year’, ‘month’ </a:t>
+            </a:r>
+            <a:r>
+              <a:rPr lang="en-US" sz="1800">
+                <a:solidFill>
+                  <a:schemeClr val="lt1"/>
+                </a:solidFill>
+                <a:latin typeface="Bookman Old Style"/>
+                <a:ea typeface="Bookman Old Style"/>
+                <a:cs typeface="Bookman Old Style"/>
+                <a:sym typeface="Bookman Old Style"/>
+              </a:rPr>
+              <a:t>, Hour and </a:t>
+            </a:r>
+            <a:r>
+              <a:rPr b="0" i="0" lang="en-US" sz="1800" u="none" cap="none" strike="noStrike">
+                <a:solidFill>
+                  <a:schemeClr val="lt1"/>
+                </a:solidFill>
+                <a:latin typeface="Bookman Old Style"/>
+                <a:ea typeface="Bookman Old Style"/>
+                <a:cs typeface="Bookman Old Style"/>
+                <a:sym typeface="Bookman Old Style"/>
+              </a:rPr>
+              <a:t>‘Weekday’ from Date Of Stop and </a:t>
+            </a:r>
+            <a:r>
+              <a:rPr lang="en-US" sz="1800">
+                <a:solidFill>
+                  <a:schemeClr val="lt1"/>
+                </a:solidFill>
+                <a:latin typeface="Bookman Old Style"/>
+                <a:ea typeface="Bookman Old Style"/>
+                <a:cs typeface="Bookman Old Style"/>
+                <a:sym typeface="Bookman Old Style"/>
+              </a:rPr>
+              <a:t>T</a:t>
+            </a:r>
+            <a:r>
+              <a:rPr b="0" i="0" lang="en-US" sz="1800" u="none" cap="none" strike="noStrike">
+                <a:solidFill>
+                  <a:schemeClr val="lt1"/>
+                </a:solidFill>
+                <a:latin typeface="Bookman Old Style"/>
+                <a:ea typeface="Bookman Old Style"/>
+                <a:cs typeface="Bookman Old Style"/>
+                <a:sym typeface="Bookman Old Style"/>
+              </a:rPr>
+              <a:t>imestamp </a:t>
+            </a:r>
+            <a:r>
+              <a:rPr lang="en-US" sz="1800">
+                <a:solidFill>
+                  <a:schemeClr val="lt1"/>
+                </a:solidFill>
+                <a:latin typeface="Bookman Old Style"/>
+                <a:ea typeface="Bookman Old Style"/>
+                <a:cs typeface="Bookman Old Style"/>
+                <a:sym typeface="Bookman Old Style"/>
+              </a:rPr>
+              <a:t>columns </a:t>
+            </a:r>
+            <a:r>
+              <a:rPr b="0" i="0" lang="en-US" sz="1800" u="none" cap="none" strike="noStrike">
+                <a:solidFill>
+                  <a:schemeClr val="lt1"/>
+                </a:solidFill>
+                <a:latin typeface="Bookman Old Style"/>
+                <a:ea typeface="Bookman Old Style"/>
+                <a:cs typeface="Bookman Old Style"/>
+                <a:sym typeface="Bookman Old Style"/>
+              </a:rPr>
+              <a:t>to generate new columns.</a:t>
             </a:r>
             <a:endParaRPr/>
           </a:p>
@@ -27974,6 +28046,285 @@
 </file>
 
 <file path=ppt/theme/theme1.xml><?xml version="1.0" encoding="utf-8"?>
+<a:theme xmlns:a="http://schemas.openxmlformats.org/drawingml/2006/main" xmlns:r="http://schemas.openxmlformats.org/officeDocument/2006/relationships" name="Damask">
+  <a:themeElements>
+    <a:clrScheme name="Damask">
+      <a:dk1>
+        <a:srgbClr val="000000"/>
+      </a:dk1>
+      <a:lt1>
+        <a:srgbClr val="FFFFFF"/>
+      </a:lt1>
+      <a:dk2>
+        <a:srgbClr val="2A5B7F"/>
+      </a:dk2>
+      <a:lt2>
+        <a:srgbClr val="ABDAFC"/>
+      </a:lt2>
+      <a:accent1>
+        <a:srgbClr val="9EC544"/>
+      </a:accent1>
+      <a:accent2>
+        <a:srgbClr val="50BEA3"/>
+      </a:accent2>
+      <a:accent3>
+        <a:srgbClr val="4A9CCC"/>
+      </a:accent3>
+      <a:accent4>
+        <a:srgbClr val="9A66CA"/>
+      </a:accent4>
+      <a:accent5>
+        <a:srgbClr val="C54F71"/>
+      </a:accent5>
+      <a:accent6>
+        <a:srgbClr val="DE9C3C"/>
+      </a:accent6>
+      <a:hlink>
+        <a:srgbClr val="6BA9DA"/>
+      </a:hlink>
+      <a:folHlink>
+        <a:srgbClr val="A0BCD3"/>
+      </a:folHlink>
+    </a:clrScheme>
+    <a:fontScheme name="Office">
+      <a:majorFont>
+        <a:latin typeface="Arial"/>
+        <a:ea typeface=""/>
+        <a:cs typeface=""/>
+        <a:font script="Jpan" typeface="ＭＳ Ｐゴシック"/>
+        <a:font script="Hang" typeface="맑은 고딕"/>
+        <a:font script="Hans" typeface="宋体"/>
+        <a:font script="Hant" typeface="新細明體"/>
+        <a:font script="Arab" typeface="Times New Roman"/>
+        <a:font script="Hebr" typeface="Times New Roman"/>
+        <a:font script="Thai" typeface="Angsana New"/>
+        <a:font script="Ethi" typeface="Nyala"/>
+        <a:font script="Beng" typeface="Vrinda"/>
+        <a:font script="Gujr" typeface="Shruti"/>
+        <a:font script="Khmr" typeface="MoolBoran"/>
+        <a:font script="Knda" typeface="Tunga"/>
+        <a:font script="Guru" typeface="Raavi"/>
+        <a:font script="Cans" typeface="Euphemia"/>
+        <a:font script="Cher" typeface="Plantagenet Cherokee"/>
+        <a:font script="Yiii" typeface="Microsoft Yi Baiti"/>
+        <a:font script="Tibt" typeface="Microsoft Himalaya"/>
+        <a:font script="Thaa" typeface="MV Boli"/>
+        <a:font script="Deva" typeface="Mangal"/>
+        <a:font script="Telu" typeface="Gautami"/>
+        <a:font script="Taml" typeface="Latha"/>
+        <a:font script="Syrc" typeface="Estrangelo Edessa"/>
+        <a:font script="Orya" typeface="Kalinga"/>
+        <a:font script="Mlym" typeface="Kartika"/>
+        <a:font script="Laoo" typeface="DokChampa"/>
+        <a:font script="Sinh" typeface="Iskoola Pota"/>
+        <a:font script="Mong" typeface="Mongolian Baiti"/>
+        <a:font script="Viet" typeface="Times New Roman"/>
+        <a:font script="Uigh" typeface="Microsoft Uighur"/>
+        <a:font script="Geor" typeface="Sylfaen"/>
+      </a:majorFont>
+      <a:minorFont>
+        <a:latin typeface="Arial"/>
+        <a:ea typeface=""/>
+        <a:cs typeface=""/>
+        <a:font script="Jpan" typeface="ＭＳ Ｐゴシック"/>
+        <a:font script="Hang" typeface="맑은 고딕"/>
+        <a:font script="Hans" typeface="宋体"/>
+        <a:font script="Hant" typeface="新細明體"/>
+        <a:font script="Arab" typeface="Arial"/>
+        <a:font script="Hebr" typeface="Arial"/>
+        <a:font script="Thai" typeface="Cordia New"/>
+        <a:font script="Ethi" typeface="Nyala"/>
+        <a:font script="Beng" typeface="Vrinda"/>
+        <a:font script="Gujr" typeface="Shruti"/>
+        <a:font script="Khmr" typeface="DaunPenh"/>
+        <a:font script="Knda" typeface="Tunga"/>
+        <a:font script="Guru" typeface="Raavi"/>
+        <a:font script="Cans" typeface="Euphemia"/>
+        <a:font script="Cher" typeface="Plantagenet Cherokee"/>
+        <a:font script="Yiii" typeface="Microsoft Yi Baiti"/>
+        <a:font script="Tibt" typeface="Microsoft Himalaya"/>
+        <a:font script="Thaa" typeface="MV Boli"/>
+        <a:font script="Deva" typeface="Mangal"/>
+        <a:font script="Telu" typeface="Gautami"/>
+        <a:font script="Taml" typeface="Latha"/>
+        <a:font script="Syrc" typeface="Estrangelo Edessa"/>
+        <a:font script="Orya" typeface="Kalinga"/>
+        <a:font script="Mlym" typeface="Kartika"/>
+        <a:font script="Laoo" typeface="DokChampa"/>
+        <a:font script="Sinh" typeface="Iskoola Pota"/>
+        <a:font script="Mong" typeface="Mongolian Baiti"/>
+        <a:font script="Viet" typeface="Arial"/>
+        <a:font script="Uigh" typeface="Microsoft Uighur"/>
+        <a:font script="Geor" typeface="Sylfaen"/>
+      </a:minorFont>
+    </a:fontScheme>
+    <a:fmtScheme name="Office">
+      <a:fillStyleLst>
+        <a:solidFill>
+          <a:schemeClr val="phClr"/>
+        </a:solidFill>
+        <a:gradFill rotWithShape="1">
+          <a:gsLst>
+            <a:gs pos="0">
+              <a:schemeClr val="phClr">
+                <a:tint val="50000"/>
+                <a:satMod val="300000"/>
+              </a:schemeClr>
+            </a:gs>
+            <a:gs pos="35000">
+              <a:schemeClr val="phClr">
+                <a:tint val="37000"/>
+                <a:satMod val="300000"/>
+              </a:schemeClr>
+            </a:gs>
+            <a:gs pos="100000">
+              <a:schemeClr val="phClr">
+                <a:tint val="15000"/>
+                <a:satMod val="350000"/>
+              </a:schemeClr>
+            </a:gs>
+          </a:gsLst>
+          <a:lin ang="16200000" scaled="1"/>
+        </a:gradFill>
+        <a:gradFill rotWithShape="1">
+          <a:gsLst>
+            <a:gs pos="0">
+              <a:schemeClr val="phClr">
+                <a:tint val="100000"/>
+                <a:shade val="100000"/>
+                <a:satMod val="130000"/>
+              </a:schemeClr>
+            </a:gs>
+            <a:gs pos="100000">
+              <a:schemeClr val="phClr">
+                <a:tint val="50000"/>
+                <a:shade val="100000"/>
+                <a:satMod val="350000"/>
+              </a:schemeClr>
+            </a:gs>
+          </a:gsLst>
+          <a:lin ang="16200000" scaled="0"/>
+        </a:gradFill>
+      </a:fillStyleLst>
+      <a:lnStyleLst>
+        <a:ln w="9525" cap="flat" cmpd="sng" algn="ctr">
+          <a:solidFill>
+            <a:schemeClr val="phClr">
+              <a:shade val="95000"/>
+              <a:satMod val="105000"/>
+            </a:schemeClr>
+          </a:solidFill>
+          <a:prstDash val="solid"/>
+        </a:ln>
+        <a:ln w="25400" cap="flat" cmpd="sng" algn="ctr">
+          <a:solidFill>
+            <a:schemeClr val="phClr"/>
+          </a:solidFill>
+          <a:prstDash val="solid"/>
+        </a:ln>
+        <a:ln w="38100" cap="flat" cmpd="sng" algn="ctr">
+          <a:solidFill>
+            <a:schemeClr val="phClr"/>
+          </a:solidFill>
+          <a:prstDash val="solid"/>
+        </a:ln>
+      </a:lnStyleLst>
+      <a:effectStyleLst>
+        <a:effectStyle>
+          <a:effectLst>
+            <a:outerShdw blurRad="40000" dist="20000" dir="5400000" rotWithShape="0">
+              <a:srgbClr val="000000">
+                <a:alpha val="38000"/>
+              </a:srgbClr>
+            </a:outerShdw>
+          </a:effectLst>
+        </a:effectStyle>
+        <a:effectStyle>
+          <a:effectLst>
+            <a:outerShdw blurRad="40000" dist="23000" dir="5400000" rotWithShape="0">
+              <a:srgbClr val="000000">
+                <a:alpha val="35000"/>
+              </a:srgbClr>
+            </a:outerShdw>
+          </a:effectLst>
+        </a:effectStyle>
+        <a:effectStyle>
+          <a:effectLst>
+            <a:outerShdw blurRad="40000" dist="23000" dir="5400000" rotWithShape="0">
+              <a:srgbClr val="000000">
+                <a:alpha val="35000"/>
+              </a:srgbClr>
+            </a:outerShdw>
+          </a:effectLst>
+          <a:scene3d>
+            <a:camera prst="orthographicFront">
+              <a:rot lat="0" lon="0" rev="0"/>
+            </a:camera>
+            <a:lightRig rig="threePt" dir="t">
+              <a:rot lat="0" lon="0" rev="1200000"/>
+            </a:lightRig>
+          </a:scene3d>
+          <a:sp3d>
+            <a:bevelT w="63500" h="25400"/>
+          </a:sp3d>
+        </a:effectStyle>
+      </a:effectStyleLst>
+      <a:bgFillStyleLst>
+        <a:solidFill>
+          <a:schemeClr val="phClr"/>
+        </a:solidFill>
+        <a:gradFill rotWithShape="1">
+          <a:gsLst>
+            <a:gs pos="0">
+              <a:schemeClr val="phClr">
+                <a:tint val="40000"/>
+                <a:satMod val="350000"/>
+              </a:schemeClr>
+            </a:gs>
+            <a:gs pos="40000">
+              <a:schemeClr val="phClr">
+                <a:tint val="45000"/>
+                <a:shade val="99000"/>
+                <a:satMod val="350000"/>
+              </a:schemeClr>
+            </a:gs>
+            <a:gs pos="100000">
+              <a:schemeClr val="phClr">
+                <a:shade val="20000"/>
+                <a:satMod val="255000"/>
+              </a:schemeClr>
+            </a:gs>
+          </a:gsLst>
+          <a:path path="circle">
+            <a:fillToRect l="50000" t="-80000" r="50000" b="180000"/>
+          </a:path>
+        </a:gradFill>
+        <a:gradFill rotWithShape="1">
+          <a:gsLst>
+            <a:gs pos="0">
+              <a:schemeClr val="phClr">
+                <a:tint val="80000"/>
+                <a:satMod val="300000"/>
+              </a:schemeClr>
+            </a:gs>
+            <a:gs pos="100000">
+              <a:schemeClr val="phClr">
+                <a:shade val="30000"/>
+                <a:satMod val="200000"/>
+              </a:schemeClr>
+            </a:gs>
+          </a:gsLst>
+          <a:path path="circle">
+            <a:fillToRect l="50000" t="50000" r="50000" b="50000"/>
+          </a:path>
+        </a:gradFill>
+      </a:bgFillStyleLst>
+    </a:fmtScheme>
+  </a:themeElements>
+</a:theme>
+</file>
+
+<file path=ppt/theme/theme2.xml><?xml version="1.0" encoding="utf-8"?>
 <a:theme xmlns:a="http://schemas.openxmlformats.org/drawingml/2006/main" xmlns:r="http://schemas.openxmlformats.org/officeDocument/2006/relationships">
   <a:themeElements>
     <a:clrScheme name="Default">
@@ -28250,283 +28601,4 @@
     </a:fmtScheme>
   </a:themeElements>
 </a:theme>
-</file>
-
-<file path=ppt/theme/theme2.xml><?xml version="1.0" encoding="utf-8"?>
-<a:theme xmlns:a="http://schemas.openxmlformats.org/drawingml/2006/main" xmlns:r="http://schemas.openxmlformats.org/officeDocument/2006/relationships" name="Damask">
-  <a:themeElements>
-    <a:clrScheme name="Damask">
-      <a:dk1>
-        <a:srgbClr val="000000"/>
-      </a:dk1>
-      <a:lt1>
-        <a:srgbClr val="FFFFFF"/>
-      </a:lt1>
-      <a:dk2>
-        <a:srgbClr val="2A5B7F"/>
-      </a:dk2>
-      <a:lt2>
-        <a:srgbClr val="ABDAFC"/>
-      </a:lt2>
-      <a:accent1>
-        <a:srgbClr val="9EC544"/>
-      </a:accent1>
-      <a:accent2>
-        <a:srgbClr val="50BEA3"/>
-      </a:accent2>
-      <a:accent3>
-        <a:srgbClr val="4A9CCC"/>
-      </a:accent3>
-      <a:accent4>
-        <a:srgbClr val="9A66CA"/>
-      </a:accent4>
-      <a:accent5>
-        <a:srgbClr val="C54F71"/>
-      </a:accent5>
-      <a:accent6>
-        <a:srgbClr val="DE9C3C"/>
-      </a:accent6>
-      <a:hlink>
-        <a:srgbClr val="6BA9DA"/>
-      </a:hlink>
-      <a:folHlink>
-        <a:srgbClr val="A0BCD3"/>
-      </a:folHlink>
-    </a:clrScheme>
-    <a:fontScheme name="Office">
-      <a:majorFont>
-        <a:latin typeface="Arial"/>
-        <a:ea typeface=""/>
-        <a:cs typeface=""/>
-        <a:font script="Jpan" typeface="ＭＳ Ｐゴシック"/>
-        <a:font script="Hang" typeface="맑은 고딕"/>
-        <a:font script="Hans" typeface="宋体"/>
-        <a:font script="Hant" typeface="新細明體"/>
-        <a:font script="Arab" typeface="Times New Roman"/>
-        <a:font script="Hebr" typeface="Times New Roman"/>
-        <a:font script="Thai" typeface="Angsana New"/>
-        <a:font script="Ethi" typeface="Nyala"/>
-        <a:font script="Beng" typeface="Vrinda"/>
-        <a:font script="Gujr" typeface="Shruti"/>
-        <a:font script="Khmr" typeface="MoolBoran"/>
-        <a:font script="Knda" typeface="Tunga"/>
-        <a:font script="Guru" typeface="Raavi"/>
-        <a:font script="Cans" typeface="Euphemia"/>
-        <a:font script="Cher" typeface="Plantagenet Cherokee"/>
-        <a:font script="Yiii" typeface="Microsoft Yi Baiti"/>
-        <a:font script="Tibt" typeface="Microsoft Himalaya"/>
-        <a:font script="Thaa" typeface="MV Boli"/>
-        <a:font script="Deva" typeface="Mangal"/>
-        <a:font script="Telu" typeface="Gautami"/>
-        <a:font script="Taml" typeface="Latha"/>
-        <a:font script="Syrc" typeface="Estrangelo Edessa"/>
-        <a:font script="Orya" typeface="Kalinga"/>
-        <a:font script="Mlym" typeface="Kartika"/>
-        <a:font script="Laoo" typeface="DokChampa"/>
-        <a:font script="Sinh" typeface="Iskoola Pota"/>
-        <a:font script="Mong" typeface="Mongolian Baiti"/>
-        <a:font script="Viet" typeface="Times New Roman"/>
-        <a:font script="Uigh" typeface="Microsoft Uighur"/>
-        <a:font script="Geor" typeface="Sylfaen"/>
-      </a:majorFont>
-      <a:minorFont>
-        <a:latin typeface="Arial"/>
-        <a:ea typeface=""/>
-        <a:cs typeface=""/>
-        <a:font script="Jpan" typeface="ＭＳ Ｐゴシック"/>
-        <a:font script="Hang" typeface="맑은 고딕"/>
-        <a:font script="Hans" typeface="宋体"/>
-        <a:font script="Hant" typeface="新細明體"/>
-        <a:font script="Arab" typeface="Arial"/>
-        <a:font script="Hebr" typeface="Arial"/>
-        <a:font script="Thai" typeface="Cordia New"/>
-        <a:font script="Ethi" typeface="Nyala"/>
-        <a:font script="Beng" typeface="Vrinda"/>
-        <a:font script="Gujr" typeface="Shruti"/>
-        <a:font script="Khmr" typeface="DaunPenh"/>
-        <a:font script="Knda" typeface="Tunga"/>
-        <a:font script="Guru" typeface="Raavi"/>
-        <a:font script="Cans" typeface="Euphemia"/>
-        <a:font script="Cher" typeface="Plantagenet Cherokee"/>
-        <a:font script="Yiii" typeface="Microsoft Yi Baiti"/>
-        <a:font script="Tibt" typeface="Microsoft Himalaya"/>
-        <a:font script="Thaa" typeface="MV Boli"/>
-        <a:font script="Deva" typeface="Mangal"/>
-        <a:font script="Telu" typeface="Gautami"/>
-        <a:font script="Taml" typeface="Latha"/>
-        <a:font script="Syrc" typeface="Estrangelo Edessa"/>
-        <a:font script="Orya" typeface="Kalinga"/>
-        <a:font script="Mlym" typeface="Kartika"/>
-        <a:font script="Laoo" typeface="DokChampa"/>
-        <a:font script="Sinh" typeface="Iskoola Pota"/>
-        <a:font script="Mong" typeface="Mongolian Baiti"/>
-        <a:font script="Viet" typeface="Arial"/>
-        <a:font script="Uigh" typeface="Microsoft Uighur"/>
-        <a:font script="Geor" typeface="Sylfaen"/>
-      </a:minorFont>
-    </a:fontScheme>
-    <a:fmtScheme name="Office">
-      <a:fillStyleLst>
-        <a:solidFill>
-          <a:schemeClr val="phClr"/>
-        </a:solidFill>
-        <a:gradFill rotWithShape="1">
-          <a:gsLst>
-            <a:gs pos="0">
-              <a:schemeClr val="phClr">
-                <a:tint val="50000"/>
-                <a:satMod val="300000"/>
-              </a:schemeClr>
-            </a:gs>
-            <a:gs pos="35000">
-              <a:schemeClr val="phClr">
-                <a:tint val="37000"/>
-                <a:satMod val="300000"/>
-              </a:schemeClr>
-            </a:gs>
-            <a:gs pos="100000">
-              <a:schemeClr val="phClr">
-                <a:tint val="15000"/>
-                <a:satMod val="350000"/>
-              </a:schemeClr>
-            </a:gs>
-          </a:gsLst>
-          <a:lin ang="16200000" scaled="1"/>
-        </a:gradFill>
-        <a:gradFill rotWithShape="1">
-          <a:gsLst>
-            <a:gs pos="0">
-              <a:schemeClr val="phClr">
-                <a:tint val="100000"/>
-                <a:shade val="100000"/>
-                <a:satMod val="130000"/>
-              </a:schemeClr>
-            </a:gs>
-            <a:gs pos="100000">
-              <a:schemeClr val="phClr">
-                <a:tint val="50000"/>
-                <a:shade val="100000"/>
-                <a:satMod val="350000"/>
-              </a:schemeClr>
-            </a:gs>
-          </a:gsLst>
-          <a:lin ang="16200000" scaled="0"/>
-        </a:gradFill>
-      </a:fillStyleLst>
-      <a:lnStyleLst>
-        <a:ln w="9525" cap="flat" cmpd="sng" algn="ctr">
-          <a:solidFill>
-            <a:schemeClr val="phClr">
-              <a:shade val="95000"/>
-              <a:satMod val="105000"/>
-            </a:schemeClr>
-          </a:solidFill>
-          <a:prstDash val="solid"/>
-        </a:ln>
-        <a:ln w="25400" cap="flat" cmpd="sng" algn="ctr">
-          <a:solidFill>
-            <a:schemeClr val="phClr"/>
-          </a:solidFill>
-          <a:prstDash val="solid"/>
-        </a:ln>
-        <a:ln w="38100" cap="flat" cmpd="sng" algn="ctr">
-          <a:solidFill>
-            <a:schemeClr val="phClr"/>
-          </a:solidFill>
-          <a:prstDash val="solid"/>
-        </a:ln>
-      </a:lnStyleLst>
-      <a:effectStyleLst>
-        <a:effectStyle>
-          <a:effectLst>
-            <a:outerShdw blurRad="40000" dist="20000" dir="5400000" rotWithShape="0">
-              <a:srgbClr val="000000">
-                <a:alpha val="38000"/>
-              </a:srgbClr>
-            </a:outerShdw>
-          </a:effectLst>
-        </a:effectStyle>
-        <a:effectStyle>
-          <a:effectLst>
-            <a:outerShdw blurRad="40000" dist="23000" dir="5400000" rotWithShape="0">
-              <a:srgbClr val="000000">
-                <a:alpha val="35000"/>
-              </a:srgbClr>
-            </a:outerShdw>
-          </a:effectLst>
-        </a:effectStyle>
-        <a:effectStyle>
-          <a:effectLst>
-            <a:outerShdw blurRad="40000" dist="23000" dir="5400000" rotWithShape="0">
-              <a:srgbClr val="000000">
-                <a:alpha val="35000"/>
-              </a:srgbClr>
-            </a:outerShdw>
-          </a:effectLst>
-          <a:scene3d>
-            <a:camera prst="orthographicFront">
-              <a:rot lat="0" lon="0" rev="0"/>
-            </a:camera>
-            <a:lightRig rig="threePt" dir="t">
-              <a:rot lat="0" lon="0" rev="1200000"/>
-            </a:lightRig>
-          </a:scene3d>
-          <a:sp3d>
-            <a:bevelT w="63500" h="25400"/>
-          </a:sp3d>
-        </a:effectStyle>
-      </a:effectStyleLst>
-      <a:bgFillStyleLst>
-        <a:solidFill>
-          <a:schemeClr val="phClr"/>
-        </a:solidFill>
-        <a:gradFill rotWithShape="1">
-          <a:gsLst>
-            <a:gs pos="0">
-              <a:schemeClr val="phClr">
-                <a:tint val="40000"/>
-                <a:satMod val="350000"/>
-              </a:schemeClr>
-            </a:gs>
-            <a:gs pos="40000">
-              <a:schemeClr val="phClr">
-                <a:tint val="45000"/>
-                <a:shade val="99000"/>
-                <a:satMod val="350000"/>
-              </a:schemeClr>
-            </a:gs>
-            <a:gs pos="100000">
-              <a:schemeClr val="phClr">
-                <a:shade val="20000"/>
-                <a:satMod val="255000"/>
-              </a:schemeClr>
-            </a:gs>
-          </a:gsLst>
-          <a:path path="circle">
-            <a:fillToRect l="50000" t="-80000" r="50000" b="180000"/>
-          </a:path>
-        </a:gradFill>
-        <a:gradFill rotWithShape="1">
-          <a:gsLst>
-            <a:gs pos="0">
-              <a:schemeClr val="phClr">
-                <a:tint val="80000"/>
-                <a:satMod val="300000"/>
-              </a:schemeClr>
-            </a:gs>
-            <a:gs pos="100000">
-              <a:schemeClr val="phClr">
-                <a:shade val="30000"/>
-                <a:satMod val="200000"/>
-              </a:schemeClr>
-            </a:gs>
-          </a:gsLst>
-          <a:path path="circle">
-            <a:fillToRect l="50000" t="50000" r="50000" b="50000"/>
-          </a:path>
-        </a:gradFill>
-      </a:bgFillStyleLst>
-    </a:fmtScheme>
-  </a:themeElements>
-</a:theme>
 </file>
--- a/TeamProject1_TrafficViolationMD.pptx
+++ b/TeamProject1_TrafficViolationMD.pptx
@@ -27,6 +27,7 @@
     <p:sldId id="272" r:id="rId22"/>
     <p:sldId id="273" r:id="rId23"/>
     <p:sldId id="274" r:id="rId24"/>
+    <p:sldId id="275" r:id="rId25"/>
   </p:sldIdLst>
   <p:sldSz cy="6858000" cx="12192000"/>
   <p:notesSz cx="6858000" cy="9144000"/>
@@ -1002,46 +1003,7 @@
       </p:grpSpPr>
       <p:sp>
         <p:nvSpPr>
-          <p:cNvPr id="221" name="Google Shape;221;p12:notes"/>
-          <p:cNvSpPr txBox="1"/>
-          <p:nvPr>
-            <p:ph idx="1" type="body"/>
-          </p:nvPr>
-        </p:nvSpPr>
-        <p:spPr>
-          <a:xfrm>
-            <a:off x="685800" y="4343400"/>
-            <a:ext cx="5486400" cy="4114800"/>
-          </a:xfrm>
-          <a:prstGeom prst="rect">
-            <a:avLst/>
-          </a:prstGeom>
-        </p:spPr>
-        <p:txBody>
-          <a:bodyPr anchorCtr="0" anchor="t" bIns="91425" lIns="91425" spcFirstLastPara="1" rIns="91425" wrap="square" tIns="91425">
-            <a:noAutofit/>
-          </a:bodyPr>
-          <a:lstStyle/>
-          <a:p>
-            <a:pPr indent="0" lvl="0" marL="0" rtl="0" algn="l">
-              <a:spcBef>
-                <a:spcPts val="0"/>
-              </a:spcBef>
-              <a:spcAft>
-                <a:spcPts val="0"/>
-              </a:spcAft>
-              <a:buNone/>
-            </a:pPr>
-            <a:r>
-              <a:t/>
-            </a:r>
-            <a:endParaRPr/>
-          </a:p>
-        </p:txBody>
-      </p:sp>
-      <p:sp>
-        <p:nvSpPr>
-          <p:cNvPr id="222" name="Google Shape;222;p12:notes"/>
+          <p:cNvPr id="221" name="Google Shape;221;g50bf9584f3_1_1:notes"/>
           <p:cNvSpPr/>
           <p:nvPr>
             <p:ph idx="2" type="sldImg"/>
@@ -1050,7 +1012,7 @@
         <p:spPr>
           <a:xfrm>
             <a:off x="1143225" y="685800"/>
-            <a:ext cx="4572225" cy="3429000"/>
+            <a:ext cx="4572300" cy="3429000"/>
           </a:xfrm>
           <a:custGeom>
             <a:rect b="b" l="l" r="r" t="t"/>
@@ -1074,34 +1036,9 @@
           </a:custGeom>
         </p:spPr>
       </p:sp>
-    </p:spTree>
-  </p:cSld>
-  <p:clrMapOvr>
-    <a:masterClrMapping/>
-  </p:clrMapOvr>
-</p:notes>
-</file>
-
-<file path=ppt/notesSlides/notesSlide13.xml><?xml version="1.0" encoding="utf-8"?>
-<p:notes xmlns:a="http://schemas.openxmlformats.org/drawingml/2006/main" xmlns:r="http://schemas.openxmlformats.org/officeDocument/2006/relationships" xmlns:mc="http://schemas.openxmlformats.org/markup-compatibility/2006" xmlns:mv="urn:schemas-microsoft-com:mac:vml" xmlns:p="http://schemas.openxmlformats.org/presentationml/2006/main" xmlns:c="http://schemas.openxmlformats.org/drawingml/2006/chart" xmlns:dgm="http://schemas.openxmlformats.org/drawingml/2006/diagram" xmlns:o="urn:schemas-microsoft-com:office:office" xmlns:v="urn:schemas-microsoft-com:vml" xmlns:pvml="urn:schemas-microsoft-com:office:powerpoint" xmlns:com="http://schemas.openxmlformats.org/drawingml/2006/compatibility" xmlns:p14="http://schemas.microsoft.com/office/powerpoint/2010/main" xmlns:p15="http://schemas.microsoft.com/office/powerpoint/2012/main" showMasterPhAnim="0" showMasterSp="0">
-  <p:cSld>
-    <p:spTree>
-      <p:nvGrpSpPr>
-        <p:cNvPr id="227" name="Shape 227"/>
-        <p:cNvGrpSpPr/>
-        <p:nvPr/>
-      </p:nvGrpSpPr>
-      <p:grpSpPr>
-        <a:xfrm>
-          <a:off x="0" y="0"/>
-          <a:ext cx="0" cy="0"/>
-          <a:chOff x="0" y="0"/>
-          <a:chExt cx="0" cy="0"/>
-        </a:xfrm>
-      </p:grpSpPr>
       <p:sp>
         <p:nvSpPr>
-          <p:cNvPr id="228" name="Google Shape;228;p13:notes"/>
+          <p:cNvPr id="222" name="Google Shape;222;g50bf9584f3_1_1:notes"/>
           <p:cNvSpPr txBox="1"/>
           <p:nvPr>
             <p:ph idx="1" type="body"/>
@@ -1138,9 +1075,73 @@
           </a:p>
         </p:txBody>
       </p:sp>
+    </p:spTree>
+  </p:cSld>
+  <p:clrMapOvr>
+    <a:masterClrMapping/>
+  </p:clrMapOvr>
+</p:notes>
+</file>
+
+<file path=ppt/notesSlides/notesSlide13.xml><?xml version="1.0" encoding="utf-8"?>
+<p:notes xmlns:a="http://schemas.openxmlformats.org/drawingml/2006/main" xmlns:r="http://schemas.openxmlformats.org/officeDocument/2006/relationships" xmlns:mc="http://schemas.openxmlformats.org/markup-compatibility/2006" xmlns:mv="urn:schemas-microsoft-com:mac:vml" xmlns:p="http://schemas.openxmlformats.org/presentationml/2006/main" xmlns:c="http://schemas.openxmlformats.org/drawingml/2006/chart" xmlns:dgm="http://schemas.openxmlformats.org/drawingml/2006/diagram" xmlns:o="urn:schemas-microsoft-com:office:office" xmlns:v="urn:schemas-microsoft-com:vml" xmlns:pvml="urn:schemas-microsoft-com:office:powerpoint" xmlns:com="http://schemas.openxmlformats.org/drawingml/2006/compatibility" xmlns:p14="http://schemas.microsoft.com/office/powerpoint/2010/main" xmlns:p15="http://schemas.microsoft.com/office/powerpoint/2012/main" showMasterPhAnim="0" showMasterSp="0">
+  <p:cSld>
+    <p:spTree>
+      <p:nvGrpSpPr>
+        <p:cNvPr id="225" name="Shape 225"/>
+        <p:cNvGrpSpPr/>
+        <p:nvPr/>
+      </p:nvGrpSpPr>
+      <p:grpSpPr>
+        <a:xfrm>
+          <a:off x="0" y="0"/>
+          <a:ext cx="0" cy="0"/>
+          <a:chOff x="0" y="0"/>
+          <a:chExt cx="0" cy="0"/>
+        </a:xfrm>
+      </p:grpSpPr>
       <p:sp>
         <p:nvSpPr>
-          <p:cNvPr id="229" name="Google Shape;229;p13:notes"/>
+          <p:cNvPr id="226" name="Google Shape;226;p12:notes"/>
+          <p:cNvSpPr txBox="1"/>
+          <p:nvPr>
+            <p:ph idx="1" type="body"/>
+          </p:nvPr>
+        </p:nvSpPr>
+        <p:spPr>
+          <a:xfrm>
+            <a:off x="685800" y="4343400"/>
+            <a:ext cx="5486400" cy="4114800"/>
+          </a:xfrm>
+          <a:prstGeom prst="rect">
+            <a:avLst/>
+          </a:prstGeom>
+        </p:spPr>
+        <p:txBody>
+          <a:bodyPr anchorCtr="0" anchor="t" bIns="91425" lIns="91425" spcFirstLastPara="1" rIns="91425" wrap="square" tIns="91425">
+            <a:noAutofit/>
+          </a:bodyPr>
+          <a:lstStyle/>
+          <a:p>
+            <a:pPr indent="0" lvl="0" marL="0" rtl="0" algn="l">
+              <a:spcBef>
+                <a:spcPts val="0"/>
+              </a:spcBef>
+              <a:spcAft>
+                <a:spcPts val="0"/>
+              </a:spcAft>
+              <a:buNone/>
+            </a:pPr>
+            <a:r>
+              <a:t/>
+            </a:r>
+            <a:endParaRPr/>
+          </a:p>
+        </p:txBody>
+      </p:sp>
+      <p:sp>
+        <p:nvSpPr>
+          <p:cNvPr id="227" name="Google Shape;227;p12:notes"/>
           <p:cNvSpPr/>
           <p:nvPr>
             <p:ph idx="2" type="sldImg"/>
@@ -1186,7 +1187,7 @@
   <p:cSld>
     <p:spTree>
       <p:nvGrpSpPr>
-        <p:cNvPr id="234" name="Shape 234"/>
+        <p:cNvPr id="232" name="Shape 232"/>
         <p:cNvGrpSpPr/>
         <p:nvPr/>
       </p:nvGrpSpPr>
@@ -1200,7 +1201,7 @@
       </p:grpSpPr>
       <p:sp>
         <p:nvSpPr>
-          <p:cNvPr id="235" name="Google Shape;235;p14:notes"/>
+          <p:cNvPr id="233" name="Google Shape;233;p13:notes"/>
           <p:cNvSpPr txBox="1"/>
           <p:nvPr>
             <p:ph idx="1" type="body"/>
@@ -1239,7 +1240,7 @@
       </p:sp>
       <p:sp>
         <p:nvSpPr>
-          <p:cNvPr id="236" name="Google Shape;236;p14:notes"/>
+          <p:cNvPr id="234" name="Google Shape;234;p13:notes"/>
           <p:cNvSpPr/>
           <p:nvPr>
             <p:ph idx="2" type="sldImg"/>
@@ -1285,7 +1286,7 @@
   <p:cSld>
     <p:spTree>
       <p:nvGrpSpPr>
-        <p:cNvPr id="241" name="Shape 241"/>
+        <p:cNvPr id="239" name="Shape 239"/>
         <p:cNvGrpSpPr/>
         <p:nvPr/>
       </p:nvGrpSpPr>
@@ -1299,7 +1300,7 @@
       </p:grpSpPr>
       <p:sp>
         <p:nvSpPr>
-          <p:cNvPr id="242" name="Google Shape;242;p15:notes"/>
+          <p:cNvPr id="240" name="Google Shape;240;p14:notes"/>
           <p:cNvSpPr txBox="1"/>
           <p:nvPr>
             <p:ph idx="1" type="body"/>
@@ -1338,7 +1339,7 @@
       </p:sp>
       <p:sp>
         <p:nvSpPr>
-          <p:cNvPr id="243" name="Google Shape;243;p15:notes"/>
+          <p:cNvPr id="241" name="Google Shape;241;p14:notes"/>
           <p:cNvSpPr/>
           <p:nvPr>
             <p:ph idx="2" type="sldImg"/>
@@ -1384,7 +1385,7 @@
   <p:cSld>
     <p:spTree>
       <p:nvGrpSpPr>
-        <p:cNvPr id="248" name="Shape 248"/>
+        <p:cNvPr id="246" name="Shape 246"/>
         <p:cNvGrpSpPr/>
         <p:nvPr/>
       </p:nvGrpSpPr>
@@ -1398,7 +1399,7 @@
       </p:grpSpPr>
       <p:sp>
         <p:nvSpPr>
-          <p:cNvPr id="249" name="Google Shape;249;p16:notes"/>
+          <p:cNvPr id="247" name="Google Shape;247;p15:notes"/>
           <p:cNvSpPr txBox="1"/>
           <p:nvPr>
             <p:ph idx="1" type="body"/>
@@ -1437,7 +1438,7 @@
       </p:sp>
       <p:sp>
         <p:nvSpPr>
-          <p:cNvPr id="250" name="Google Shape;250;p16:notes"/>
+          <p:cNvPr id="248" name="Google Shape;248;p15:notes"/>
           <p:cNvSpPr/>
           <p:nvPr>
             <p:ph idx="2" type="sldImg"/>
@@ -1483,7 +1484,7 @@
   <p:cSld>
     <p:spTree>
       <p:nvGrpSpPr>
-        <p:cNvPr id="254" name="Shape 254"/>
+        <p:cNvPr id="253" name="Shape 253"/>
         <p:cNvGrpSpPr/>
         <p:nvPr/>
       </p:nvGrpSpPr>
@@ -1497,7 +1498,7 @@
       </p:grpSpPr>
       <p:sp>
         <p:nvSpPr>
-          <p:cNvPr id="255" name="Google Shape;255;p17:notes"/>
+          <p:cNvPr id="254" name="Google Shape;254;p16:notes"/>
           <p:cNvSpPr txBox="1"/>
           <p:nvPr>
             <p:ph idx="1" type="body"/>
@@ -1536,7 +1537,7 @@
       </p:sp>
       <p:sp>
         <p:nvSpPr>
-          <p:cNvPr id="256" name="Google Shape;256;p17:notes"/>
+          <p:cNvPr id="255" name="Google Shape;255;p16:notes"/>
           <p:cNvSpPr/>
           <p:nvPr>
             <p:ph idx="2" type="sldImg"/>
@@ -1582,7 +1583,7 @@
   <p:cSld>
     <p:spTree>
       <p:nvGrpSpPr>
-        <p:cNvPr id="260" name="Shape 260"/>
+        <p:cNvPr id="259" name="Shape 259"/>
         <p:cNvGrpSpPr/>
         <p:nvPr/>
       </p:nvGrpSpPr>
@@ -1596,7 +1597,7 @@
       </p:grpSpPr>
       <p:sp>
         <p:nvSpPr>
-          <p:cNvPr id="261" name="Google Shape;261;p18:notes"/>
+          <p:cNvPr id="260" name="Google Shape;260;p17:notes"/>
           <p:cNvSpPr txBox="1"/>
           <p:nvPr>
             <p:ph idx="1" type="body"/>
@@ -1635,7 +1636,7 @@
       </p:sp>
       <p:sp>
         <p:nvSpPr>
-          <p:cNvPr id="262" name="Google Shape;262;p18:notes"/>
+          <p:cNvPr id="261" name="Google Shape;261;p17:notes"/>
           <p:cNvSpPr/>
           <p:nvPr>
             <p:ph idx="2" type="sldImg"/>
@@ -1681,7 +1682,7 @@
   <p:cSld>
     <p:spTree>
       <p:nvGrpSpPr>
-        <p:cNvPr id="266" name="Shape 266"/>
+        <p:cNvPr id="265" name="Shape 265"/>
         <p:cNvGrpSpPr/>
         <p:nvPr/>
       </p:nvGrpSpPr>
@@ -1695,7 +1696,7 @@
       </p:grpSpPr>
       <p:sp>
         <p:nvSpPr>
-          <p:cNvPr id="267" name="Google Shape;267;p19:notes"/>
+          <p:cNvPr id="266" name="Google Shape;266;p18:notes"/>
           <p:cNvSpPr txBox="1"/>
           <p:nvPr>
             <p:ph idx="1" type="body"/>
@@ -1734,7 +1735,7 @@
       </p:sp>
       <p:sp>
         <p:nvSpPr>
-          <p:cNvPr id="268" name="Google Shape;268;p19:notes"/>
+          <p:cNvPr id="267" name="Google Shape;267;p18:notes"/>
           <p:cNvSpPr/>
           <p:nvPr>
             <p:ph idx="2" type="sldImg"/>
@@ -1834,6 +1835,105 @@
       <p:sp>
         <p:nvSpPr>
           <p:cNvPr id="152" name="Google Shape;152;p2:notes"/>
+          <p:cNvSpPr/>
+          <p:nvPr>
+            <p:ph idx="2" type="sldImg"/>
+          </p:nvPr>
+        </p:nvSpPr>
+        <p:spPr>
+          <a:xfrm>
+            <a:off x="1143225" y="685800"/>
+            <a:ext cx="4572225" cy="3429000"/>
+          </a:xfrm>
+          <a:custGeom>
+            <a:rect b="b" l="l" r="r" t="t"/>
+            <a:pathLst>
+              <a:path extrusionOk="0" h="120000" w="120000">
+                <a:moveTo>
+                  <a:pt x="0" y="0"/>
+                </a:moveTo>
+                <a:lnTo>
+                  <a:pt x="120000" y="0"/>
+                </a:lnTo>
+                <a:lnTo>
+                  <a:pt x="120000" y="120000"/>
+                </a:lnTo>
+                <a:lnTo>
+                  <a:pt x="0" y="120000"/>
+                </a:lnTo>
+                <a:close/>
+              </a:path>
+            </a:pathLst>
+          </a:custGeom>
+        </p:spPr>
+      </p:sp>
+    </p:spTree>
+  </p:cSld>
+  <p:clrMapOvr>
+    <a:masterClrMapping/>
+  </p:clrMapOvr>
+</p:notes>
+</file>
+
+<file path=ppt/notesSlides/notesSlide20.xml><?xml version="1.0" encoding="utf-8"?>
+<p:notes xmlns:a="http://schemas.openxmlformats.org/drawingml/2006/main" xmlns:r="http://schemas.openxmlformats.org/officeDocument/2006/relationships" xmlns:mc="http://schemas.openxmlformats.org/markup-compatibility/2006" xmlns:mv="urn:schemas-microsoft-com:mac:vml" xmlns:p="http://schemas.openxmlformats.org/presentationml/2006/main" xmlns:c="http://schemas.openxmlformats.org/drawingml/2006/chart" xmlns:dgm="http://schemas.openxmlformats.org/drawingml/2006/diagram" xmlns:o="urn:schemas-microsoft-com:office:office" xmlns:v="urn:schemas-microsoft-com:vml" xmlns:pvml="urn:schemas-microsoft-com:office:powerpoint" xmlns:com="http://schemas.openxmlformats.org/drawingml/2006/compatibility" xmlns:p14="http://schemas.microsoft.com/office/powerpoint/2010/main" xmlns:p15="http://schemas.microsoft.com/office/powerpoint/2012/main" showMasterPhAnim="0" showMasterSp="0">
+  <p:cSld>
+    <p:spTree>
+      <p:nvGrpSpPr>
+        <p:cNvPr id="271" name="Shape 271"/>
+        <p:cNvGrpSpPr/>
+        <p:nvPr/>
+      </p:nvGrpSpPr>
+      <p:grpSpPr>
+        <a:xfrm>
+          <a:off x="0" y="0"/>
+          <a:ext cx="0" cy="0"/>
+          <a:chOff x="0" y="0"/>
+          <a:chExt cx="0" cy="0"/>
+        </a:xfrm>
+      </p:grpSpPr>
+      <p:sp>
+        <p:nvSpPr>
+          <p:cNvPr id="272" name="Google Shape;272;p19:notes"/>
+          <p:cNvSpPr txBox="1"/>
+          <p:nvPr>
+            <p:ph idx="1" type="body"/>
+          </p:nvPr>
+        </p:nvSpPr>
+        <p:spPr>
+          <a:xfrm>
+            <a:off x="685800" y="4343400"/>
+            <a:ext cx="5486400" cy="4114800"/>
+          </a:xfrm>
+          <a:prstGeom prst="rect">
+            <a:avLst/>
+          </a:prstGeom>
+        </p:spPr>
+        <p:txBody>
+          <a:bodyPr anchorCtr="0" anchor="t" bIns="91425" lIns="91425" spcFirstLastPara="1" rIns="91425" wrap="square" tIns="91425">
+            <a:noAutofit/>
+          </a:bodyPr>
+          <a:lstStyle/>
+          <a:p>
+            <a:pPr indent="0" lvl="0" marL="0" rtl="0" algn="l">
+              <a:spcBef>
+                <a:spcPts val="0"/>
+              </a:spcBef>
+              <a:spcAft>
+                <a:spcPts val="0"/>
+              </a:spcAft>
+              <a:buNone/>
+            </a:pPr>
+            <a:r>
+              <a:t/>
+            </a:r>
+            <a:endParaRPr/>
+          </a:p>
+        </p:txBody>
+      </p:sp>
+      <p:sp>
+        <p:nvSpPr>
+          <p:cNvPr id="273" name="Google Shape;273;p19:notes"/>
           <p:cNvSpPr/>
           <p:nvPr>
             <p:ph idx="2" type="sldImg"/>
@@ -22011,9 +22111,62 @@
           <a:chExt cx="0" cy="0"/>
         </a:xfrm>
       </p:grpSpPr>
+      <p:pic>
+        <p:nvPicPr>
+          <p:cNvPr id="224" name="Google Shape;224;p32"/>
+          <p:cNvPicPr preferRelativeResize="0"/>
+          <p:nvPr/>
+        </p:nvPicPr>
+        <p:blipFill>
+          <a:blip r:embed="rId3">
+            <a:alphaModFix/>
+          </a:blip>
+          <a:stretch>
+            <a:fillRect/>
+          </a:stretch>
+        </p:blipFill>
+        <p:spPr>
+          <a:xfrm>
+            <a:off x="322150" y="181213"/>
+            <a:ext cx="11547700" cy="6495574"/>
+          </a:xfrm>
+          <a:prstGeom prst="rect">
+            <a:avLst/>
+          </a:prstGeom>
+          <a:noFill/>
+          <a:ln>
+            <a:noFill/>
+          </a:ln>
+        </p:spPr>
+      </p:pic>
+    </p:spTree>
+  </p:cSld>
+  <p:clrMapOvr>
+    <a:masterClrMapping/>
+  </p:clrMapOvr>
+</p:sld>
+</file>
+
+<file path=ppt/slides/slide13.xml><?xml version="1.0" encoding="utf-8"?>
+<p:sld xmlns:a="http://schemas.openxmlformats.org/drawingml/2006/main" xmlns:r="http://schemas.openxmlformats.org/officeDocument/2006/relationships" xmlns:mc="http://schemas.openxmlformats.org/markup-compatibility/2006" xmlns:mv="urn:schemas-microsoft-com:mac:vml" xmlns:p="http://schemas.openxmlformats.org/presentationml/2006/main" xmlns:c="http://schemas.openxmlformats.org/drawingml/2006/chart" xmlns:dgm="http://schemas.openxmlformats.org/drawingml/2006/diagram" xmlns:o="urn:schemas-microsoft-com:office:office" xmlns:v="urn:schemas-microsoft-com:vml" xmlns:pvml="urn:schemas-microsoft-com:office:powerpoint" xmlns:com="http://schemas.openxmlformats.org/drawingml/2006/compatibility" xmlns:p14="http://schemas.microsoft.com/office/powerpoint/2010/main" xmlns:p15="http://schemas.microsoft.com/office/powerpoint/2012/main">
+  <p:cSld>
+    <p:spTree>
+      <p:nvGrpSpPr>
+        <p:cNvPr id="228" name="Shape 228"/>
+        <p:cNvGrpSpPr/>
+        <p:nvPr/>
+      </p:nvGrpSpPr>
+      <p:grpSpPr>
+        <a:xfrm>
+          <a:off x="0" y="0"/>
+          <a:ext cx="0" cy="0"/>
+          <a:chOff x="0" y="0"/>
+          <a:chExt cx="0" cy="0"/>
+        </a:xfrm>
+      </p:grpSpPr>
       <p:sp>
         <p:nvSpPr>
-          <p:cNvPr id="224" name="Google Shape;224;p32"/>
+          <p:cNvPr id="229" name="Google Shape;229;p33"/>
           <p:cNvSpPr txBox="1"/>
           <p:nvPr>
             <p:ph idx="1" type="body"/>
@@ -22087,7 +22240,7 @@
       </p:sp>
       <p:pic>
         <p:nvPicPr>
-          <p:cNvPr id="225" name="Google Shape;225;p32"/>
+          <p:cNvPr id="230" name="Google Shape;230;p33"/>
           <p:cNvPicPr preferRelativeResize="0"/>
           <p:nvPr/>
         </p:nvPicPr>
@@ -22114,7 +22267,7 @@
       </p:pic>
       <p:sp>
         <p:nvSpPr>
-          <p:cNvPr id="226" name="Google Shape;226;p32"/>
+          <p:cNvPr id="231" name="Google Shape;231;p33"/>
           <p:cNvSpPr txBox="1"/>
           <p:nvPr>
             <p:ph type="title"/>
@@ -22172,12 +22325,12 @@
 </p:sld>
 </file>
 
-<file path=ppt/slides/slide13.xml><?xml version="1.0" encoding="utf-8"?>
+<file path=ppt/slides/slide14.xml><?xml version="1.0" encoding="utf-8"?>
 <p:sld xmlns:a="http://schemas.openxmlformats.org/drawingml/2006/main" xmlns:r="http://schemas.openxmlformats.org/officeDocument/2006/relationships" xmlns:mc="http://schemas.openxmlformats.org/markup-compatibility/2006" xmlns:mv="urn:schemas-microsoft-com:mac:vml" xmlns:p="http://schemas.openxmlformats.org/presentationml/2006/main" xmlns:c="http://schemas.openxmlformats.org/drawingml/2006/chart" xmlns:dgm="http://schemas.openxmlformats.org/drawingml/2006/diagram" xmlns:o="urn:schemas-microsoft-com:office:office" xmlns:v="urn:schemas-microsoft-com:vml" xmlns:pvml="urn:schemas-microsoft-com:office:powerpoint" xmlns:com="http://schemas.openxmlformats.org/drawingml/2006/compatibility" xmlns:p14="http://schemas.microsoft.com/office/powerpoint/2010/main" xmlns:p15="http://schemas.microsoft.com/office/powerpoint/2012/main">
   <p:cSld>
     <p:spTree>
       <p:nvGrpSpPr>
-        <p:cNvPr id="230" name="Shape 230"/>
+        <p:cNvPr id="235" name="Shape 235"/>
         <p:cNvGrpSpPr/>
         <p:nvPr/>
       </p:nvGrpSpPr>
@@ -22191,7 +22344,7 @@
       </p:grpSpPr>
       <p:sp>
         <p:nvSpPr>
-          <p:cNvPr id="231" name="Google Shape;231;p33"/>
+          <p:cNvPr id="236" name="Google Shape;236;p34"/>
           <p:cNvSpPr txBox="1"/>
           <p:nvPr>
             <p:ph type="title"/>
@@ -22243,7 +22396,7 @@
       </p:sp>
       <p:sp>
         <p:nvSpPr>
-          <p:cNvPr id="232" name="Google Shape;232;p33"/>
+          <p:cNvPr id="237" name="Google Shape;237;p34"/>
           <p:cNvSpPr txBox="1"/>
           <p:nvPr>
             <p:ph idx="1" type="body"/>
@@ -22316,12 +22469,12 @@
       </p:sp>
       <p:graphicFrame>
         <p:nvGraphicFramePr>
-          <p:cNvPr id="233" name="Google Shape;233;p33"/>
+          <p:cNvPr id="238" name="Google Shape;238;p34"/>
           <p:cNvGraphicFramePr/>
           <p:nvPr/>
         </p:nvGraphicFramePr>
         <p:xfrm>
-          <a:off x="1206498" y="2206606"/>
+          <a:off x="1625598" y="2364106"/>
           <a:ext cx="3000000" cy="3000000"/>
         </p:xfrm>
         <a:graphic>
@@ -22329,7 +22482,7 @@
             <a:tbl>
               <a:tblPr bandRow="1" firstRow="1">
                 <a:noFill/>
-                <a:tableStyleId>{46FF4F04-0C35-4DB5-B688-CA29F152A119}</a:tableStyleId>
+                <a:tableStyleId>{076ED876-B4D1-4B48-A03D-B9AB14FAE558}</a:tableStyleId>
               </a:tblPr>
               <a:tblGrid>
                 <a:gridCol w="4889500"/>
@@ -22369,7 +22522,9 @@
                   </a:txBody>
                   <a:tcPr marT="9525" marB="0" marR="9525" marL="9525" anchor="b">
                     <a:solidFill>
-                      <a:srgbClr val="1155CC"/>
+                      <a:srgbClr val="649FCC">
+                        <a:alpha val="50980"/>
+                      </a:srgbClr>
                     </a:solidFill>
                   </a:tcPr>
                 </a:tc>
@@ -22406,7 +22561,9 @@
                   </a:txBody>
                   <a:tcPr marT="9525" marB="0" marR="9525" marL="9525" anchor="b">
                     <a:solidFill>
-                      <a:srgbClr val="1155CC"/>
+                      <a:srgbClr val="649FCC">
+                        <a:alpha val="50980"/>
+                      </a:srgbClr>
                     </a:solidFill>
                   </a:tcPr>
                 </a:tc>
@@ -22445,7 +22602,9 @@
                   </a:txBody>
                   <a:tcPr marT="9525" marB="0" marR="9525" marL="9525" anchor="b">
                     <a:solidFill>
-                      <a:srgbClr val="1155CC"/>
+                      <a:srgbClr val="649FCC">
+                        <a:alpha val="50980"/>
+                      </a:srgbClr>
                     </a:solidFill>
                   </a:tcPr>
                 </a:tc>
@@ -22482,7 +22641,9 @@
                   </a:txBody>
                   <a:tcPr marT="9525" marB="0" marR="9525" marL="9525" anchor="b">
                     <a:solidFill>
-                      <a:srgbClr val="1155CC"/>
+                      <a:srgbClr val="649FCC">
+                        <a:alpha val="50980"/>
+                      </a:srgbClr>
                     </a:solidFill>
                   </a:tcPr>
                 </a:tc>
@@ -22521,7 +22682,9 @@
                   </a:txBody>
                   <a:tcPr marT="9525" marB="0" marR="9525" marL="9525" anchor="b">
                     <a:solidFill>
-                      <a:srgbClr val="1155CC"/>
+                      <a:srgbClr val="649FCC">
+                        <a:alpha val="50980"/>
+                      </a:srgbClr>
                     </a:solidFill>
                   </a:tcPr>
                 </a:tc>
@@ -22558,7 +22721,9 @@
                   </a:txBody>
                   <a:tcPr marT="9525" marB="0" marR="9525" marL="9525" anchor="b">
                     <a:solidFill>
-                      <a:srgbClr val="1155CC"/>
+                      <a:srgbClr val="649FCC">
+                        <a:alpha val="50980"/>
+                      </a:srgbClr>
                     </a:solidFill>
                   </a:tcPr>
                 </a:tc>
@@ -22597,7 +22762,9 @@
                   </a:txBody>
                   <a:tcPr marT="9525" marB="0" marR="9525" marL="9525" anchor="b">
                     <a:solidFill>
-                      <a:srgbClr val="1155CC"/>
+                      <a:srgbClr val="649FCC">
+                        <a:alpha val="50980"/>
+                      </a:srgbClr>
                     </a:solidFill>
                   </a:tcPr>
                 </a:tc>
@@ -22634,7 +22801,9 @@
                   </a:txBody>
                   <a:tcPr marT="9525" marB="0" marR="9525" marL="9525" anchor="b">
                     <a:solidFill>
-                      <a:srgbClr val="1155CC"/>
+                      <a:srgbClr val="649FCC">
+                        <a:alpha val="50980"/>
+                      </a:srgbClr>
                     </a:solidFill>
                   </a:tcPr>
                 </a:tc>
@@ -22673,7 +22842,9 @@
                   </a:txBody>
                   <a:tcPr marT="9525" marB="0" marR="9525" marL="9525" anchor="b">
                     <a:solidFill>
-                      <a:srgbClr val="1155CC"/>
+                      <a:srgbClr val="649FCC">
+                        <a:alpha val="50980"/>
+                      </a:srgbClr>
                     </a:solidFill>
                   </a:tcPr>
                 </a:tc>
@@ -22710,7 +22881,9 @@
                   </a:txBody>
                   <a:tcPr marT="9525" marB="0" marR="9525" marL="9525" anchor="b">
                     <a:solidFill>
-                      <a:srgbClr val="1155CC"/>
+                      <a:srgbClr val="649FCC">
+                        <a:alpha val="50980"/>
+                      </a:srgbClr>
                     </a:solidFill>
                   </a:tcPr>
                 </a:tc>
@@ -22749,7 +22922,9 @@
                   </a:txBody>
                   <a:tcPr marT="9525" marB="0" marR="9525" marL="9525" anchor="b">
                     <a:solidFill>
-                      <a:srgbClr val="1155CC"/>
+                      <a:srgbClr val="649FCC">
+                        <a:alpha val="50980"/>
+                      </a:srgbClr>
                     </a:solidFill>
                   </a:tcPr>
                 </a:tc>
@@ -22786,7 +22961,9 @@
                   </a:txBody>
                   <a:tcPr marT="9525" marB="0" marR="9525" marL="9525" anchor="b">
                     <a:solidFill>
-                      <a:srgbClr val="1155CC"/>
+                      <a:srgbClr val="649FCC">
+                        <a:alpha val="50980"/>
+                      </a:srgbClr>
                     </a:solidFill>
                   </a:tcPr>
                 </a:tc>
@@ -22825,7 +23002,9 @@
                   </a:txBody>
                   <a:tcPr marT="9525" marB="0" marR="9525" marL="9525" anchor="b">
                     <a:solidFill>
-                      <a:srgbClr val="1155CC"/>
+                      <a:srgbClr val="649FCC">
+                        <a:alpha val="50980"/>
+                      </a:srgbClr>
                     </a:solidFill>
                   </a:tcPr>
                 </a:tc>
@@ -22862,7 +23041,9 @@
                   </a:txBody>
                   <a:tcPr marT="9525" marB="0" marR="9525" marL="9525" anchor="b">
                     <a:solidFill>
-                      <a:srgbClr val="1155CC"/>
+                      <a:srgbClr val="649FCC">
+                        <a:alpha val="50980"/>
+                      </a:srgbClr>
                     </a:solidFill>
                   </a:tcPr>
                 </a:tc>
@@ -22901,7 +23082,9 @@
                   </a:txBody>
                   <a:tcPr marT="9525" marB="0" marR="9525" marL="9525" anchor="b">
                     <a:solidFill>
-                      <a:srgbClr val="1155CC"/>
+                      <a:srgbClr val="649FCC">
+                        <a:alpha val="50980"/>
+                      </a:srgbClr>
                     </a:solidFill>
                   </a:tcPr>
                 </a:tc>
@@ -22938,7 +23121,9 @@
                   </a:txBody>
                   <a:tcPr marT="9525" marB="0" marR="9525" marL="9525" anchor="b">
                     <a:solidFill>
-                      <a:srgbClr val="1155CC"/>
+                      <a:srgbClr val="649FCC">
+                        <a:alpha val="50980"/>
+                      </a:srgbClr>
                     </a:solidFill>
                   </a:tcPr>
                 </a:tc>
@@ -22977,7 +23162,9 @@
                   </a:txBody>
                   <a:tcPr marT="9525" marB="0" marR="9525" marL="9525" anchor="b">
                     <a:solidFill>
-                      <a:srgbClr val="1155CC"/>
+                      <a:srgbClr val="649FCC">
+                        <a:alpha val="50980"/>
+                      </a:srgbClr>
                     </a:solidFill>
                   </a:tcPr>
                 </a:tc>
@@ -23014,7 +23201,9 @@
                   </a:txBody>
                   <a:tcPr marT="9525" marB="0" marR="9525" marL="9525" anchor="b">
                     <a:solidFill>
-                      <a:srgbClr val="1155CC"/>
+                      <a:srgbClr val="649FCC">
+                        <a:alpha val="50980"/>
+                      </a:srgbClr>
                     </a:solidFill>
                   </a:tcPr>
                 </a:tc>
@@ -23053,7 +23242,9 @@
                   </a:txBody>
                   <a:tcPr marT="9525" marB="0" marR="9525" marL="9525" anchor="b">
                     <a:solidFill>
-                      <a:srgbClr val="1155CC"/>
+                      <a:srgbClr val="649FCC">
+                        <a:alpha val="50980"/>
+                      </a:srgbClr>
                     </a:solidFill>
                   </a:tcPr>
                 </a:tc>
@@ -23090,7 +23281,9 @@
                   </a:txBody>
                   <a:tcPr marT="9525" marB="0" marR="9525" marL="9525" anchor="b">
                     <a:solidFill>
-                      <a:srgbClr val="1155CC"/>
+                      <a:srgbClr val="649FCC">
+                        <a:alpha val="50980"/>
+                      </a:srgbClr>
                     </a:solidFill>
                   </a:tcPr>
                 </a:tc>
@@ -23107,12 +23300,12 @@
 </p:sld>
 </file>
 
-<file path=ppt/slides/slide14.xml><?xml version="1.0" encoding="utf-8"?>
+<file path=ppt/slides/slide15.xml><?xml version="1.0" encoding="utf-8"?>
 <p:sld xmlns:a="http://schemas.openxmlformats.org/drawingml/2006/main" xmlns:r="http://schemas.openxmlformats.org/officeDocument/2006/relationships" xmlns:mc="http://schemas.openxmlformats.org/markup-compatibility/2006" xmlns:mv="urn:schemas-microsoft-com:mac:vml" xmlns:p="http://schemas.openxmlformats.org/presentationml/2006/main" xmlns:c="http://schemas.openxmlformats.org/drawingml/2006/chart" xmlns:dgm="http://schemas.openxmlformats.org/drawingml/2006/diagram" xmlns:o="urn:schemas-microsoft-com:office:office" xmlns:v="urn:schemas-microsoft-com:vml" xmlns:pvml="urn:schemas-microsoft-com:office:powerpoint" xmlns:com="http://schemas.openxmlformats.org/drawingml/2006/compatibility" xmlns:p14="http://schemas.microsoft.com/office/powerpoint/2010/main" xmlns:p15="http://schemas.microsoft.com/office/powerpoint/2012/main">
   <p:cSld>
     <p:spTree>
       <p:nvGrpSpPr>
-        <p:cNvPr id="237" name="Shape 237"/>
+        <p:cNvPr id="242" name="Shape 242"/>
         <p:cNvGrpSpPr/>
         <p:nvPr/>
       </p:nvGrpSpPr>
@@ -23126,7 +23319,7 @@
       </p:grpSpPr>
       <p:sp>
         <p:nvSpPr>
-          <p:cNvPr id="238" name="Google Shape;238;p34"/>
+          <p:cNvPr id="243" name="Google Shape;243;p35"/>
           <p:cNvSpPr txBox="1"/>
           <p:nvPr>
             <p:ph type="title"/>
@@ -23178,7 +23371,7 @@
       </p:sp>
       <p:sp>
         <p:nvSpPr>
-          <p:cNvPr id="239" name="Google Shape;239;p34"/>
+          <p:cNvPr id="244" name="Google Shape;244;p35"/>
           <p:cNvSpPr txBox="1"/>
           <p:nvPr>
             <p:ph idx="1" type="body"/>
@@ -23317,7 +23510,7 @@
       </p:sp>
       <p:graphicFrame>
         <p:nvGraphicFramePr>
-          <p:cNvPr id="240" name="Google Shape;240;p34"/>
+          <p:cNvPr id="245" name="Google Shape;245;p35"/>
           <p:cNvGraphicFramePr/>
           <p:nvPr/>
         </p:nvGraphicFramePr>
@@ -23330,7 +23523,7 @@
             <a:tbl>
               <a:tblPr bandRow="1" firstRow="1">
                 <a:noFill/>
-                <a:tableStyleId>{46FF4F04-0C35-4DB5-B688-CA29F152A119}</a:tableStyleId>
+                <a:tableStyleId>{076ED876-B4D1-4B48-A03D-B9AB14FAE558}</a:tableStyleId>
               </a:tblPr>
               <a:tblGrid>
                 <a:gridCol w="2036875"/>
@@ -23370,7 +23563,9 @@
                   </a:txBody>
                   <a:tcPr marT="9525" marB="0" marR="9525" marL="9525" anchor="ctr">
                     <a:solidFill>
-                      <a:srgbClr val="1155CC"/>
+                      <a:schemeClr val="lt1">
+                        <a:alpha val="40000"/>
+                      </a:schemeClr>
                     </a:solidFill>
                   </a:tcPr>
                 </a:tc>
@@ -23407,7 +23602,9 @@
                   </a:txBody>
                   <a:tcPr marT="9525" marB="0" marR="9525" marL="9525" anchor="b">
                     <a:solidFill>
-                      <a:srgbClr val="1155CC"/>
+                      <a:schemeClr val="lt1">
+                        <a:alpha val="40000"/>
+                      </a:schemeClr>
                     </a:solidFill>
                   </a:tcPr>
                 </a:tc>
@@ -23446,7 +23643,9 @@
                   </a:txBody>
                   <a:tcPr marT="9525" marB="0" marR="9525" marL="9525" anchor="ctr">
                     <a:solidFill>
-                      <a:srgbClr val="1155CC"/>
+                      <a:schemeClr val="lt1">
+                        <a:alpha val="40000"/>
+                      </a:schemeClr>
                     </a:solidFill>
                   </a:tcPr>
                 </a:tc>
@@ -23483,7 +23682,9 @@
                   </a:txBody>
                   <a:tcPr marT="9525" marB="0" marR="9525" marL="9525" anchor="b">
                     <a:solidFill>
-                      <a:srgbClr val="1155CC"/>
+                      <a:schemeClr val="lt1">
+                        <a:alpha val="40000"/>
+                      </a:schemeClr>
                     </a:solidFill>
                   </a:tcPr>
                 </a:tc>
@@ -23522,7 +23723,9 @@
                   </a:txBody>
                   <a:tcPr marT="9525" marB="0" marR="9525" marL="9525" anchor="ctr">
                     <a:solidFill>
-                      <a:srgbClr val="1155CC"/>
+                      <a:schemeClr val="lt1">
+                        <a:alpha val="40000"/>
+                      </a:schemeClr>
                     </a:solidFill>
                   </a:tcPr>
                 </a:tc>
@@ -23559,7 +23762,9 @@
                   </a:txBody>
                   <a:tcPr marT="9525" marB="0" marR="9525" marL="9525" anchor="b">
                     <a:solidFill>
-                      <a:srgbClr val="1155CC"/>
+                      <a:schemeClr val="lt1">
+                        <a:alpha val="40000"/>
+                      </a:schemeClr>
                     </a:solidFill>
                   </a:tcPr>
                 </a:tc>
@@ -23576,12 +23781,12 @@
 </p:sld>
 </file>
 
-<file path=ppt/slides/slide15.xml><?xml version="1.0" encoding="utf-8"?>
+<file path=ppt/slides/slide16.xml><?xml version="1.0" encoding="utf-8"?>
 <p:sld xmlns:a="http://schemas.openxmlformats.org/drawingml/2006/main" xmlns:r="http://schemas.openxmlformats.org/officeDocument/2006/relationships" xmlns:mc="http://schemas.openxmlformats.org/markup-compatibility/2006" xmlns:mv="urn:schemas-microsoft-com:mac:vml" xmlns:p="http://schemas.openxmlformats.org/presentationml/2006/main" xmlns:c="http://schemas.openxmlformats.org/drawingml/2006/chart" xmlns:dgm="http://schemas.openxmlformats.org/drawingml/2006/diagram" xmlns:o="urn:schemas-microsoft-com:office:office" xmlns:v="urn:schemas-microsoft-com:vml" xmlns:pvml="urn:schemas-microsoft-com:office:powerpoint" xmlns:com="http://schemas.openxmlformats.org/drawingml/2006/compatibility" xmlns:p14="http://schemas.microsoft.com/office/powerpoint/2010/main" xmlns:p15="http://schemas.microsoft.com/office/powerpoint/2012/main">
   <p:cSld>
     <p:spTree>
       <p:nvGrpSpPr>
-        <p:cNvPr id="244" name="Shape 244"/>
+        <p:cNvPr id="249" name="Shape 249"/>
         <p:cNvGrpSpPr/>
         <p:nvPr/>
       </p:nvGrpSpPr>
@@ -23595,7 +23800,7 @@
       </p:grpSpPr>
       <p:sp>
         <p:nvSpPr>
-          <p:cNvPr id="245" name="Google Shape;245;p35"/>
+          <p:cNvPr id="250" name="Google Shape;250;p36"/>
           <p:cNvSpPr txBox="1"/>
           <p:nvPr>
             <p:ph type="title"/>
@@ -23647,7 +23852,7 @@
       </p:sp>
       <p:sp>
         <p:nvSpPr>
-          <p:cNvPr id="246" name="Google Shape;246;p35"/>
+          <p:cNvPr id="251" name="Google Shape;251;p36"/>
           <p:cNvSpPr txBox="1"/>
           <p:nvPr>
             <p:ph idx="1" type="body"/>
@@ -23655,8 +23860,8 @@
         </p:nvSpPr>
         <p:spPr>
           <a:xfrm>
-            <a:off x="331350" y="1018838"/>
-            <a:ext cx="10629300" cy="868200"/>
+            <a:off x="1462435" y="1068432"/>
+            <a:ext cx="8047325" cy="868241"/>
           </a:xfrm>
           <a:prstGeom prst="rect">
             <a:avLst/>
@@ -23720,12 +23925,12 @@
       </p:sp>
       <p:graphicFrame>
         <p:nvGraphicFramePr>
-          <p:cNvPr id="247" name="Google Shape;247;p35"/>
+          <p:cNvPr id="252" name="Google Shape;252;p36"/>
           <p:cNvGraphicFramePr/>
           <p:nvPr/>
         </p:nvGraphicFramePr>
         <p:xfrm>
-          <a:off x="272020" y="1991030"/>
+          <a:off x="913795" y="2148530"/>
           <a:ext cx="3000000" cy="3000000"/>
         </p:xfrm>
         <a:graphic>
@@ -23733,12 +23938,12 @@
             <a:tbl>
               <a:tblPr bandRow="1" firstRow="1">
                 <a:noFill/>
-                <a:tableStyleId>{46FF4F04-0C35-4DB5-B688-CA29F152A119}</a:tableStyleId>
+                <a:tableStyleId>{076ED876-B4D1-4B48-A03D-B9AB14FAE558}</a:tableStyleId>
               </a:tblPr>
               <a:tblGrid>
-                <a:gridCol w="4064000"/>
-                <a:gridCol w="4064000"/>
-                <a:gridCol w="3519950"/>
+                <a:gridCol w="3508800"/>
+                <a:gridCol w="3508800"/>
+                <a:gridCol w="3508800"/>
               </a:tblGrid>
               <a:tr h="477350">
                 <a:tc>
@@ -23758,7 +23963,7 @@
                         <a:buNone/>
                       </a:pPr>
                       <a:r>
-                        <a:rPr b="0" i="0" lang="en-US" sz="1200" u="none" cap="none" strike="noStrike">
+                        <a:rPr b="0" i="0" lang="en-US" sz="1100" u="none" cap="none" strike="noStrike">
                           <a:solidFill>
                             <a:schemeClr val="lt1"/>
                           </a:solidFill>
@@ -23769,17 +23974,14 @@
                         </a:rPr>
                         <a:t>NATIVE AMERICAN</a:t>
                       </a:r>
-                      <a:endParaRPr sz="1200">
-                        <a:latin typeface="Bookman Old Style"/>
-                        <a:ea typeface="Bookman Old Style"/>
-                        <a:cs typeface="Bookman Old Style"/>
-                        <a:sym typeface="Bookman Old Style"/>
-                      </a:endParaRPr>
+                      <a:endParaRPr/>
                     </a:p>
                   </a:txBody>
                   <a:tcPr marT="9525" marB="0" marR="9525" marL="9525" anchor="ctr">
                     <a:solidFill>
-                      <a:srgbClr val="1155CC"/>
+                      <a:srgbClr val="649FCC">
+                        <a:alpha val="55686"/>
+                      </a:srgbClr>
                     </a:solidFill>
                   </a:tcPr>
                 </a:tc>
@@ -23800,7 +24002,7 @@
                         <a:buNone/>
                       </a:pPr>
                       <a:r>
-                        <a:rPr b="0" i="0" lang="en-US" sz="1200" u="none" cap="none" strike="noStrike">
+                        <a:rPr b="0" i="0" lang="en-US" sz="1100" u="none" cap="none" strike="noStrike">
                           <a:solidFill>
                             <a:schemeClr val="lt1"/>
                           </a:solidFill>
@@ -23811,17 +24013,14 @@
                         </a:rPr>
                         <a:t>DRIVER FAILURE TO OBEY PROPERLY PLACED TRAFFIC CONTROL DEVICE INSTRUCTIONS</a:t>
                       </a:r>
-                      <a:endParaRPr sz="1200">
-                        <a:latin typeface="Bookman Old Style"/>
-                        <a:ea typeface="Bookman Old Style"/>
-                        <a:cs typeface="Bookman Old Style"/>
-                        <a:sym typeface="Bookman Old Style"/>
-                      </a:endParaRPr>
+                      <a:endParaRPr/>
                     </a:p>
                   </a:txBody>
                   <a:tcPr marT="9525" marB="0" marR="9525" marL="9525" anchor="b">
                     <a:solidFill>
-                      <a:srgbClr val="1155CC"/>
+                      <a:srgbClr val="649FCC">
+                        <a:alpha val="55686"/>
+                      </a:srgbClr>
                     </a:solidFill>
                   </a:tcPr>
                 </a:tc>
@@ -23842,7 +24041,7 @@
                         <a:buNone/>
                       </a:pPr>
                       <a:r>
-                        <a:rPr b="0" i="0" lang="en-US" sz="1200" u="none" cap="none" strike="noStrike">
+                        <a:rPr b="0" i="0" lang="en-US" sz="1100" u="none" cap="none" strike="noStrike">
                           <a:solidFill>
                             <a:schemeClr val="lt1"/>
                           </a:solidFill>
@@ -23853,17 +24052,14 @@
                         </a:rPr>
                         <a:t>10.36%</a:t>
                       </a:r>
-                      <a:endParaRPr sz="1200">
-                        <a:latin typeface="Bookman Old Style"/>
-                        <a:ea typeface="Bookman Old Style"/>
-                        <a:cs typeface="Bookman Old Style"/>
-                        <a:sym typeface="Bookman Old Style"/>
-                      </a:endParaRPr>
+                      <a:endParaRPr/>
                     </a:p>
                   </a:txBody>
                   <a:tcPr marT="9525" marB="0" marR="9525" marL="9525" anchor="b">
                     <a:solidFill>
-                      <a:srgbClr val="1155CC"/>
+                      <a:srgbClr val="649FCC">
+                        <a:alpha val="55686"/>
+                      </a:srgbClr>
                     </a:solidFill>
                   </a:tcPr>
                 </a:tc>
@@ -23886,7 +24082,7 @@
                         <a:buNone/>
                       </a:pPr>
                       <a:r>
-                        <a:rPr i="0" lang="en-US" sz="1200" u="none" cap="none" strike="noStrike">
+                        <a:rPr b="0" i="0" lang="en-US" sz="1100" u="none" cap="none" strike="noStrike">
                           <a:solidFill>
                             <a:schemeClr val="lt1"/>
                           </a:solidFill>
@@ -23897,17 +24093,14 @@
                         </a:rPr>
                         <a:t>ASIAN</a:t>
                       </a:r>
-                      <a:endParaRPr sz="1200">
-                        <a:latin typeface="Bookman Old Style"/>
-                        <a:ea typeface="Bookman Old Style"/>
-                        <a:cs typeface="Bookman Old Style"/>
-                        <a:sym typeface="Bookman Old Style"/>
-                      </a:endParaRPr>
+                      <a:endParaRPr/>
                     </a:p>
                   </a:txBody>
                   <a:tcPr marT="9525" marB="0" marR="9525" marL="9525" anchor="ctr">
                     <a:solidFill>
-                      <a:srgbClr val="1155CC"/>
+                      <a:srgbClr val="649FCC">
+                        <a:alpha val="55686"/>
+                      </a:srgbClr>
                     </a:solidFill>
                   </a:tcPr>
                 </a:tc>
@@ -23928,7 +24121,7 @@
                         <a:buNone/>
                       </a:pPr>
                       <a:r>
-                        <a:rPr i="0" lang="en-US" sz="1200" u="none" cap="none" strike="noStrike">
+                        <a:rPr b="0" i="0" lang="en-US" sz="1100" u="none" cap="none" strike="noStrike">
                           <a:solidFill>
                             <a:schemeClr val="lt1"/>
                           </a:solidFill>
@@ -23939,17 +24132,14 @@
                         </a:rPr>
                         <a:t>DRIVER FAILURE TO OBEY PROPERLY PLACED TRAFFIC CONTROL DEVICE INSTRUCTIONS</a:t>
                       </a:r>
-                      <a:endParaRPr sz="1200">
-                        <a:latin typeface="Bookman Old Style"/>
-                        <a:ea typeface="Bookman Old Style"/>
-                        <a:cs typeface="Bookman Old Style"/>
-                        <a:sym typeface="Bookman Old Style"/>
-                      </a:endParaRPr>
+                      <a:endParaRPr/>
                     </a:p>
                   </a:txBody>
                   <a:tcPr marT="9525" marB="0" marR="9525" marL="9525" anchor="b">
                     <a:solidFill>
-                      <a:srgbClr val="1155CC"/>
+                      <a:srgbClr val="649FCC">
+                        <a:alpha val="55686"/>
+                      </a:srgbClr>
                     </a:solidFill>
                   </a:tcPr>
                 </a:tc>
@@ -23970,7 +24160,7 @@
                         <a:buNone/>
                       </a:pPr>
                       <a:r>
-                        <a:rPr i="0" lang="en-US" sz="1200" u="none" cap="none" strike="noStrike">
+                        <a:rPr b="0" i="0" lang="en-US" sz="1100" u="none" cap="none" strike="noStrike">
                           <a:solidFill>
                             <a:schemeClr val="lt1"/>
                           </a:solidFill>
@@ -23981,17 +24171,14 @@
                         </a:rPr>
                         <a:t>9.63%</a:t>
                       </a:r>
-                      <a:endParaRPr sz="1200">
-                        <a:latin typeface="Bookman Old Style"/>
-                        <a:ea typeface="Bookman Old Style"/>
-                        <a:cs typeface="Bookman Old Style"/>
-                        <a:sym typeface="Bookman Old Style"/>
-                      </a:endParaRPr>
+                      <a:endParaRPr/>
                     </a:p>
                   </a:txBody>
                   <a:tcPr marT="9525" marB="0" marR="9525" marL="9525" anchor="b">
                     <a:solidFill>
-                      <a:srgbClr val="1155CC"/>
+                      <a:srgbClr val="649FCC">
+                        <a:alpha val="55686"/>
+                      </a:srgbClr>
                     </a:solidFill>
                   </a:tcPr>
                 </a:tc>
@@ -24014,7 +24201,7 @@
                         <a:buNone/>
                       </a:pPr>
                       <a:r>
-                        <a:rPr i="0" lang="en-US" sz="1200" u="none" cap="none" strike="noStrike">
+                        <a:rPr b="0" i="0" lang="en-US" sz="1100" u="none" cap="none" strike="noStrike">
                           <a:solidFill>
                             <a:schemeClr val="lt1"/>
                           </a:solidFill>
@@ -24025,17 +24212,14 @@
                         </a:rPr>
                         <a:t>WHITE</a:t>
                       </a:r>
-                      <a:endParaRPr sz="1200">
-                        <a:latin typeface="Bookman Old Style"/>
-                        <a:ea typeface="Bookman Old Style"/>
-                        <a:cs typeface="Bookman Old Style"/>
-                        <a:sym typeface="Bookman Old Style"/>
-                      </a:endParaRPr>
+                      <a:endParaRPr/>
                     </a:p>
                   </a:txBody>
                   <a:tcPr marT="9525" marB="0" marR="9525" marL="9525" anchor="ctr">
                     <a:solidFill>
-                      <a:srgbClr val="1155CC"/>
+                      <a:srgbClr val="649FCC">
+                        <a:alpha val="55686"/>
+                      </a:srgbClr>
                     </a:solidFill>
                   </a:tcPr>
                 </a:tc>
@@ -24056,7 +24240,7 @@
                         <a:buNone/>
                       </a:pPr>
                       <a:r>
-                        <a:rPr i="0" lang="en-US" sz="1200" u="none" cap="none" strike="noStrike">
+                        <a:rPr b="0" i="0" lang="en-US" sz="1100" u="none" cap="none" strike="noStrike">
                           <a:solidFill>
                             <a:schemeClr val="lt1"/>
                           </a:solidFill>
@@ -24067,17 +24251,14 @@
                         </a:rPr>
                         <a:t>DRIVER FAILURE TO OBEY PROPERLY PLACED TRAFFIC CONTROL DEVICE INSTRUCTIONS</a:t>
                       </a:r>
-                      <a:endParaRPr sz="1200">
-                        <a:latin typeface="Bookman Old Style"/>
-                        <a:ea typeface="Bookman Old Style"/>
-                        <a:cs typeface="Bookman Old Style"/>
-                        <a:sym typeface="Bookman Old Style"/>
-                      </a:endParaRPr>
+                      <a:endParaRPr/>
                     </a:p>
                   </a:txBody>
                   <a:tcPr marT="9525" marB="0" marR="9525" marL="9525" anchor="b">
                     <a:solidFill>
-                      <a:srgbClr val="1155CC"/>
+                      <a:srgbClr val="649FCC">
+                        <a:alpha val="55686"/>
+                      </a:srgbClr>
                     </a:solidFill>
                   </a:tcPr>
                 </a:tc>
@@ -24098,7 +24279,7 @@
                         <a:buNone/>
                       </a:pPr>
                       <a:r>
-                        <a:rPr i="0" lang="en-US" sz="1200" u="none" cap="none" strike="noStrike">
+                        <a:rPr b="0" i="0" lang="en-US" sz="1100" u="none" cap="none" strike="noStrike">
                           <a:solidFill>
                             <a:schemeClr val="lt1"/>
                           </a:solidFill>
@@ -24109,17 +24290,14 @@
                         </a:rPr>
                         <a:t>9.29%</a:t>
                       </a:r>
-                      <a:endParaRPr sz="1200">
-                        <a:latin typeface="Bookman Old Style"/>
-                        <a:ea typeface="Bookman Old Style"/>
-                        <a:cs typeface="Bookman Old Style"/>
-                        <a:sym typeface="Bookman Old Style"/>
-                      </a:endParaRPr>
+                      <a:endParaRPr/>
                     </a:p>
                   </a:txBody>
                   <a:tcPr marT="9525" marB="0" marR="9525" marL="9525" anchor="b">
                     <a:solidFill>
-                      <a:srgbClr val="1155CC"/>
+                      <a:srgbClr val="649FCC">
+                        <a:alpha val="55686"/>
+                      </a:srgbClr>
                     </a:solidFill>
                   </a:tcPr>
                 </a:tc>
@@ -24142,7 +24320,7 @@
                         <a:buNone/>
                       </a:pPr>
                       <a:r>
-                        <a:rPr i="0" lang="en-US" sz="1200" u="none" cap="none" strike="noStrike">
+                        <a:rPr b="0" i="0" lang="en-US" sz="1100" u="none" cap="none" strike="noStrike">
                           <a:solidFill>
                             <a:schemeClr val="lt1"/>
                           </a:solidFill>
@@ -24153,17 +24331,14 @@
                         </a:rPr>
                         <a:t>OTHER</a:t>
                       </a:r>
-                      <a:endParaRPr sz="1200">
-                        <a:latin typeface="Bookman Old Style"/>
-                        <a:ea typeface="Bookman Old Style"/>
-                        <a:cs typeface="Bookman Old Style"/>
-                        <a:sym typeface="Bookman Old Style"/>
-                      </a:endParaRPr>
+                      <a:endParaRPr/>
                     </a:p>
                   </a:txBody>
                   <a:tcPr marT="9525" marB="0" marR="9525" marL="9525" anchor="ctr">
                     <a:solidFill>
-                      <a:srgbClr val="1155CC"/>
+                      <a:srgbClr val="649FCC">
+                        <a:alpha val="55686"/>
+                      </a:srgbClr>
                     </a:solidFill>
                   </a:tcPr>
                 </a:tc>
@@ -24184,7 +24359,7 @@
                         <a:buNone/>
                       </a:pPr>
                       <a:r>
-                        <a:rPr i="0" lang="en-US" sz="1200" u="none" cap="none" strike="noStrike">
+                        <a:rPr b="0" i="0" lang="en-US" sz="1100" u="none" cap="none" strike="noStrike">
                           <a:solidFill>
                             <a:schemeClr val="lt1"/>
                           </a:solidFill>
@@ -24195,17 +24370,14 @@
                         </a:rPr>
                         <a:t>DRIVER FAILURE TO OBEY PROPERLY PLACED TRAFFIC CONTROL DEVICE INSTRUCTIONS</a:t>
                       </a:r>
-                      <a:endParaRPr sz="1200">
-                        <a:latin typeface="Bookman Old Style"/>
-                        <a:ea typeface="Bookman Old Style"/>
-                        <a:cs typeface="Bookman Old Style"/>
-                        <a:sym typeface="Bookman Old Style"/>
-                      </a:endParaRPr>
+                      <a:endParaRPr/>
                     </a:p>
                   </a:txBody>
                   <a:tcPr marT="9525" marB="0" marR="9525" marL="9525" anchor="b">
                     <a:solidFill>
-                      <a:srgbClr val="1155CC"/>
+                      <a:srgbClr val="649FCC">
+                        <a:alpha val="55686"/>
+                      </a:srgbClr>
                     </a:solidFill>
                   </a:tcPr>
                 </a:tc>
@@ -24226,7 +24398,7 @@
                         <a:buNone/>
                       </a:pPr>
                       <a:r>
-                        <a:rPr i="0" lang="en-US" sz="1200" u="none" cap="none" strike="noStrike">
+                        <a:rPr b="0" i="0" lang="en-US" sz="1100" u="none" cap="none" strike="noStrike">
                           <a:solidFill>
                             <a:schemeClr val="lt1"/>
                           </a:solidFill>
@@ -24237,17 +24409,14 @@
                         </a:rPr>
                         <a:t>9.01%</a:t>
                       </a:r>
-                      <a:endParaRPr sz="1200">
-                        <a:latin typeface="Bookman Old Style"/>
-                        <a:ea typeface="Bookman Old Style"/>
-                        <a:cs typeface="Bookman Old Style"/>
-                        <a:sym typeface="Bookman Old Style"/>
-                      </a:endParaRPr>
+                      <a:endParaRPr/>
                     </a:p>
                   </a:txBody>
                   <a:tcPr marT="9525" marB="0" marR="9525" marL="9525" anchor="b">
                     <a:solidFill>
-                      <a:srgbClr val="1155CC"/>
+                      <a:srgbClr val="649FCC">
+                        <a:alpha val="55686"/>
+                      </a:srgbClr>
                     </a:solidFill>
                   </a:tcPr>
                 </a:tc>
@@ -24270,7 +24439,7 @@
                         <a:buNone/>
                       </a:pPr>
                       <a:r>
-                        <a:rPr i="0" lang="en-US" sz="1200" u="none" cap="none" strike="noStrike">
+                        <a:rPr b="0" i="0" lang="en-US" sz="1100" u="none" cap="none" strike="noStrike">
                           <a:solidFill>
                             <a:schemeClr val="lt1"/>
                           </a:solidFill>
@@ -24281,17 +24450,14 @@
                         </a:rPr>
                         <a:t>HISPANIC</a:t>
                       </a:r>
-                      <a:endParaRPr sz="1200">
-                        <a:latin typeface="Bookman Old Style"/>
-                        <a:ea typeface="Bookman Old Style"/>
-                        <a:cs typeface="Bookman Old Style"/>
-                        <a:sym typeface="Bookman Old Style"/>
-                      </a:endParaRPr>
+                      <a:endParaRPr/>
                     </a:p>
                   </a:txBody>
                   <a:tcPr marT="9525" marB="0" marR="9525" marL="9525" anchor="ctr">
                     <a:solidFill>
-                      <a:srgbClr val="1155CC"/>
+                      <a:srgbClr val="649FCC">
+                        <a:alpha val="55686"/>
+                      </a:srgbClr>
                     </a:solidFill>
                   </a:tcPr>
                 </a:tc>
@@ -24312,7 +24478,7 @@
                         <a:buNone/>
                       </a:pPr>
                       <a:r>
-                        <a:rPr i="0" lang="en-US" sz="1200" u="none" cap="none" strike="noStrike">
+                        <a:rPr b="0" i="0" lang="en-US" sz="1100" u="none" cap="none" strike="noStrike">
                           <a:solidFill>
                             <a:schemeClr val="lt1"/>
                           </a:solidFill>
@@ -24323,17 +24489,14 @@
                         </a:rPr>
                         <a:t>DRIVER FAILURE TO OBEY PROPERLY PLACED TRAFFIC CONTROL DEVICE INSTRUCTIONS</a:t>
                       </a:r>
-                      <a:endParaRPr sz="1200">
-                        <a:latin typeface="Bookman Old Style"/>
-                        <a:ea typeface="Bookman Old Style"/>
-                        <a:cs typeface="Bookman Old Style"/>
-                        <a:sym typeface="Bookman Old Style"/>
-                      </a:endParaRPr>
+                      <a:endParaRPr/>
                     </a:p>
                   </a:txBody>
                   <a:tcPr marT="9525" marB="0" marR="9525" marL="9525" anchor="b">
                     <a:solidFill>
-                      <a:srgbClr val="1155CC"/>
+                      <a:srgbClr val="649FCC">
+                        <a:alpha val="55686"/>
+                      </a:srgbClr>
                     </a:solidFill>
                   </a:tcPr>
                 </a:tc>
@@ -24354,7 +24517,7 @@
                         <a:buNone/>
                       </a:pPr>
                       <a:r>
-                        <a:rPr i="0" lang="en-US" sz="1200" u="none" cap="none" strike="noStrike">
+                        <a:rPr b="0" i="0" lang="en-US" sz="1100" u="none" cap="none" strike="noStrike">
                           <a:solidFill>
                             <a:schemeClr val="lt1"/>
                           </a:solidFill>
@@ -24365,17 +24528,14 @@
                         </a:rPr>
                         <a:t>7.30%</a:t>
                       </a:r>
-                      <a:endParaRPr sz="1200">
-                        <a:latin typeface="Bookman Old Style"/>
-                        <a:ea typeface="Bookman Old Style"/>
-                        <a:cs typeface="Bookman Old Style"/>
-                        <a:sym typeface="Bookman Old Style"/>
-                      </a:endParaRPr>
+                      <a:endParaRPr/>
                     </a:p>
                   </a:txBody>
                   <a:tcPr marT="9525" marB="0" marR="9525" marL="9525" anchor="b">
                     <a:solidFill>
-                      <a:srgbClr val="1155CC"/>
+                      <a:srgbClr val="649FCC">
+                        <a:alpha val="55686"/>
+                      </a:srgbClr>
                     </a:solidFill>
                   </a:tcPr>
                 </a:tc>
@@ -24398,7 +24558,7 @@
                         <a:buNone/>
                       </a:pPr>
                       <a:r>
-                        <a:rPr i="0" lang="en-US" sz="1200" u="none" cap="none" strike="noStrike">
+                        <a:rPr b="0" i="0" lang="en-US" sz="1100" u="none" cap="none" strike="noStrike">
                           <a:solidFill>
                             <a:schemeClr val="lt1"/>
                           </a:solidFill>
@@ -24409,17 +24569,14 @@
                         </a:rPr>
                         <a:t>BLACK</a:t>
                       </a:r>
-                      <a:endParaRPr sz="1200">
-                        <a:latin typeface="Bookman Old Style"/>
-                        <a:ea typeface="Bookman Old Style"/>
-                        <a:cs typeface="Bookman Old Style"/>
-                        <a:sym typeface="Bookman Old Style"/>
-                      </a:endParaRPr>
+                      <a:endParaRPr/>
                     </a:p>
                   </a:txBody>
                   <a:tcPr marT="9525" marB="0" marR="9525" marL="9525" anchor="ctr">
                     <a:solidFill>
-                      <a:srgbClr val="1155CC"/>
+                      <a:srgbClr val="649FCC">
+                        <a:alpha val="55686"/>
+                      </a:srgbClr>
                     </a:solidFill>
                   </a:tcPr>
                 </a:tc>
@@ -24440,7 +24597,7 @@
                         <a:buNone/>
                       </a:pPr>
                       <a:r>
-                        <a:rPr i="0" lang="en-US" sz="1200" u="none" cap="none" strike="noStrike">
+                        <a:rPr b="0" i="0" lang="en-US" sz="1100" u="none" cap="none" strike="noStrike">
                           <a:solidFill>
                             <a:schemeClr val="lt1"/>
                           </a:solidFill>
@@ -24451,17 +24608,14 @@
                         </a:rPr>
                         <a:t>DRIVER FAILURE TO OBEY PROPERLY PLACED TRAFFIC CONTROL DEVICE INSTRUCTIONS</a:t>
                       </a:r>
-                      <a:endParaRPr sz="1200">
-                        <a:latin typeface="Bookman Old Style"/>
-                        <a:ea typeface="Bookman Old Style"/>
-                        <a:cs typeface="Bookman Old Style"/>
-                        <a:sym typeface="Bookman Old Style"/>
-                      </a:endParaRPr>
+                      <a:endParaRPr/>
                     </a:p>
                   </a:txBody>
                   <a:tcPr marT="9525" marB="0" marR="9525" marL="9525" anchor="b">
                     <a:solidFill>
-                      <a:srgbClr val="1155CC"/>
+                      <a:srgbClr val="649FCC">
+                        <a:alpha val="55686"/>
+                      </a:srgbClr>
                     </a:solidFill>
                   </a:tcPr>
                 </a:tc>
@@ -24482,7 +24636,7 @@
                         <a:buNone/>
                       </a:pPr>
                       <a:r>
-                        <a:rPr i="0" lang="en-US" sz="1200" u="none" cap="none" strike="noStrike">
+                        <a:rPr b="0" i="0" lang="en-US" sz="1100" u="none" cap="none" strike="noStrike">
                           <a:solidFill>
                             <a:schemeClr val="lt1"/>
                           </a:solidFill>
@@ -24493,17 +24647,14 @@
                         </a:rPr>
                         <a:t>7.28%</a:t>
                       </a:r>
-                      <a:endParaRPr sz="1200">
-                        <a:latin typeface="Bookman Old Style"/>
-                        <a:ea typeface="Bookman Old Style"/>
-                        <a:cs typeface="Bookman Old Style"/>
-                        <a:sym typeface="Bookman Old Style"/>
-                      </a:endParaRPr>
+                      <a:endParaRPr/>
                     </a:p>
                   </a:txBody>
                   <a:tcPr marT="9525" marB="0" marR="9525" marL="9525" anchor="b">
                     <a:solidFill>
-                      <a:srgbClr val="1155CC"/>
+                      <a:srgbClr val="649FCC">
+                        <a:alpha val="55686"/>
+                      </a:srgbClr>
                     </a:solidFill>
                   </a:tcPr>
                 </a:tc>
@@ -24526,7 +24677,7 @@
                         <a:buNone/>
                       </a:pPr>
                       <a:r>
-                        <a:rPr i="0" lang="en-US" sz="1200" u="none" cap="none" strike="noStrike">
+                        <a:rPr b="0" i="0" lang="en-US" sz="1100" u="none" cap="none" strike="noStrike">
                           <a:solidFill>
                             <a:schemeClr val="lt1"/>
                           </a:solidFill>
@@ -24537,17 +24688,14 @@
                         </a:rPr>
                         <a:t>ASIAN</a:t>
                       </a:r>
-                      <a:endParaRPr sz="1200">
-                        <a:latin typeface="Bookman Old Style"/>
-                        <a:ea typeface="Bookman Old Style"/>
-                        <a:cs typeface="Bookman Old Style"/>
-                        <a:sym typeface="Bookman Old Style"/>
-                      </a:endParaRPr>
+                      <a:endParaRPr/>
                     </a:p>
                   </a:txBody>
                   <a:tcPr marT="9525" marB="0" marR="9525" marL="9525" anchor="ctr">
                     <a:solidFill>
-                      <a:srgbClr val="1155CC"/>
+                      <a:srgbClr val="649FCC">
+                        <a:alpha val="55686"/>
+                      </a:srgbClr>
                     </a:solidFill>
                   </a:tcPr>
                 </a:tc>
@@ -24568,7 +24716,7 @@
                         <a:buNone/>
                       </a:pPr>
                       <a:r>
-                        <a:rPr i="0" lang="en-US" sz="1200" u="none" cap="none" strike="noStrike">
+                        <a:rPr b="0" i="0" lang="en-US" sz="1100" u="none" cap="none" strike="noStrike">
                           <a:solidFill>
                             <a:schemeClr val="lt1"/>
                           </a:solidFill>
@@ -24579,17 +24727,14 @@
                         </a:rPr>
                         <a:t>FAILURE TO DISPLAY REGISTRATION CARD UPON DEMAND BY POLICE OFFICER</a:t>
                       </a:r>
-                      <a:endParaRPr sz="1200">
-                        <a:latin typeface="Bookman Old Style"/>
-                        <a:ea typeface="Bookman Old Style"/>
-                        <a:cs typeface="Bookman Old Style"/>
-                        <a:sym typeface="Bookman Old Style"/>
-                      </a:endParaRPr>
+                      <a:endParaRPr/>
                     </a:p>
                   </a:txBody>
                   <a:tcPr marT="9525" marB="0" marR="9525" marL="9525" anchor="b">
                     <a:solidFill>
-                      <a:srgbClr val="1155CC"/>
+                      <a:srgbClr val="649FCC">
+                        <a:alpha val="55686"/>
+                      </a:srgbClr>
                     </a:solidFill>
                   </a:tcPr>
                 </a:tc>
@@ -24610,7 +24755,7 @@
                         <a:buNone/>
                       </a:pPr>
                       <a:r>
-                        <a:rPr i="0" lang="en-US" sz="1200" u="none" cap="none" strike="noStrike">
+                        <a:rPr b="0" i="0" lang="en-US" sz="1100" u="none" cap="none" strike="noStrike">
                           <a:solidFill>
                             <a:schemeClr val="lt1"/>
                           </a:solidFill>
@@ -24621,17 +24766,14 @@
                         </a:rPr>
                         <a:t>5.95%</a:t>
                       </a:r>
-                      <a:endParaRPr sz="1200">
-                        <a:latin typeface="Bookman Old Style"/>
-                        <a:ea typeface="Bookman Old Style"/>
-                        <a:cs typeface="Bookman Old Style"/>
-                        <a:sym typeface="Bookman Old Style"/>
-                      </a:endParaRPr>
+                      <a:endParaRPr/>
                     </a:p>
                   </a:txBody>
                   <a:tcPr marT="9525" marB="0" marR="9525" marL="9525" anchor="b">
                     <a:solidFill>
-                      <a:srgbClr val="1155CC"/>
+                      <a:srgbClr val="649FCC">
+                        <a:alpha val="55686"/>
+                      </a:srgbClr>
                     </a:solidFill>
                   </a:tcPr>
                 </a:tc>
@@ -24654,7 +24796,7 @@
                         <a:buNone/>
                       </a:pPr>
                       <a:r>
-                        <a:rPr i="0" lang="en-US" sz="1200" u="none" cap="none" strike="noStrike">
+                        <a:rPr b="0" i="0" lang="en-US" sz="1100" u="none" cap="none" strike="noStrike">
                           <a:solidFill>
                             <a:schemeClr val="lt1"/>
                           </a:solidFill>
@@ -24665,17 +24807,14 @@
                         </a:rPr>
                         <a:t>BLACK</a:t>
                       </a:r>
-                      <a:endParaRPr sz="1200">
-                        <a:latin typeface="Bookman Old Style"/>
-                        <a:ea typeface="Bookman Old Style"/>
-                        <a:cs typeface="Bookman Old Style"/>
-                        <a:sym typeface="Bookman Old Style"/>
-                      </a:endParaRPr>
+                      <a:endParaRPr/>
                     </a:p>
                   </a:txBody>
                   <a:tcPr marT="9525" marB="0" marR="9525" marL="9525" anchor="ctr">
                     <a:solidFill>
-                      <a:srgbClr val="1155CC"/>
+                      <a:srgbClr val="649FCC">
+                        <a:alpha val="55686"/>
+                      </a:srgbClr>
                     </a:solidFill>
                   </a:tcPr>
                 </a:tc>
@@ -24696,7 +24835,7 @@
                         <a:buNone/>
                       </a:pPr>
                       <a:r>
-                        <a:rPr i="0" lang="en-US" sz="1200" u="none" cap="none" strike="noStrike">
+                        <a:rPr b="0" i="0" lang="en-US" sz="1100" u="none" cap="none" strike="noStrike">
                           <a:solidFill>
                             <a:schemeClr val="lt1"/>
                           </a:solidFill>
@@ -24707,17 +24846,14 @@
                         </a:rPr>
                         <a:t>DRIVING VEHICLE ON HIGHWAY WITH SUSPENDED REGISTRATION</a:t>
                       </a:r>
-                      <a:endParaRPr sz="1200">
-                        <a:latin typeface="Bookman Old Style"/>
-                        <a:ea typeface="Bookman Old Style"/>
-                        <a:cs typeface="Bookman Old Style"/>
-                        <a:sym typeface="Bookman Old Style"/>
-                      </a:endParaRPr>
+                      <a:endParaRPr/>
                     </a:p>
                   </a:txBody>
                   <a:tcPr marT="9525" marB="0" marR="9525" marL="9525" anchor="b">
                     <a:solidFill>
-                      <a:srgbClr val="1155CC"/>
+                      <a:srgbClr val="649FCC">
+                        <a:alpha val="55686"/>
+                      </a:srgbClr>
                     </a:solidFill>
                   </a:tcPr>
                 </a:tc>
@@ -24738,7 +24874,7 @@
                         <a:buNone/>
                       </a:pPr>
                       <a:r>
-                        <a:rPr i="0" lang="en-US" sz="1200" u="none" cap="none" strike="noStrike">
+                        <a:rPr b="0" i="0" lang="en-US" sz="1100" u="none" cap="none" strike="noStrike">
                           <a:solidFill>
                             <a:schemeClr val="lt1"/>
                           </a:solidFill>
@@ -24749,17 +24885,14 @@
                         </a:rPr>
                         <a:t>5.18%</a:t>
                       </a:r>
-                      <a:endParaRPr sz="1200">
-                        <a:latin typeface="Bookman Old Style"/>
-                        <a:ea typeface="Bookman Old Style"/>
-                        <a:cs typeface="Bookman Old Style"/>
-                        <a:sym typeface="Bookman Old Style"/>
-                      </a:endParaRPr>
+                      <a:endParaRPr/>
                     </a:p>
                   </a:txBody>
                   <a:tcPr marT="9525" marB="0" marR="9525" marL="9525" anchor="b">
                     <a:solidFill>
-                      <a:srgbClr val="1155CC"/>
+                      <a:srgbClr val="649FCC">
+                        <a:alpha val="55686"/>
+                      </a:srgbClr>
                     </a:solidFill>
                   </a:tcPr>
                 </a:tc>
@@ -24784,7 +24917,7 @@
                       <a:r>
                         <a:t/>
                       </a:r>
-                      <a:endParaRPr i="0" sz="1200" u="none" cap="none" strike="noStrike">
+                      <a:endParaRPr b="0" i="0" sz="1100" u="none" cap="none" strike="noStrike">
                         <a:solidFill>
                           <a:schemeClr val="lt1"/>
                         </a:solidFill>
@@ -24797,7 +24930,9 @@
                   </a:txBody>
                   <a:tcPr marT="9525" marB="0" marR="9525" marL="9525" anchor="ctr">
                     <a:solidFill>
-                      <a:srgbClr val="1155CC"/>
+                      <a:srgbClr val="649FCC">
+                        <a:alpha val="55686"/>
+                      </a:srgbClr>
                     </a:solidFill>
                   </a:tcPr>
                 </a:tc>
@@ -24818,7 +24953,7 @@
                         <a:buNone/>
                       </a:pPr>
                       <a:r>
-                        <a:rPr i="0" lang="en-US" sz="1200" u="none" cap="none" strike="noStrike">
+                        <a:rPr b="0" i="0" lang="en-US" sz="1100" u="none" cap="none" strike="noStrike">
                           <a:solidFill>
                             <a:schemeClr val="lt1"/>
                           </a:solidFill>
@@ -24829,17 +24964,14 @@
                         </a:rPr>
                         <a:t>FAILURE TO DISPLAY REGISTRATION CARD UPON DEMAND BY POLICE OFFICER</a:t>
                       </a:r>
-                      <a:endParaRPr sz="1200">
-                        <a:latin typeface="Bookman Old Style"/>
-                        <a:ea typeface="Bookman Old Style"/>
-                        <a:cs typeface="Bookman Old Style"/>
-                        <a:sym typeface="Bookman Old Style"/>
-                      </a:endParaRPr>
+                      <a:endParaRPr/>
                     </a:p>
                   </a:txBody>
                   <a:tcPr marT="9525" marB="0" marR="9525" marL="9525" anchor="b">
                     <a:solidFill>
-                      <a:srgbClr val="1155CC"/>
+                      <a:srgbClr val="649FCC">
+                        <a:alpha val="55686"/>
+                      </a:srgbClr>
                     </a:solidFill>
                   </a:tcPr>
                 </a:tc>
@@ -24860,7 +24992,7 @@
                         <a:buNone/>
                       </a:pPr>
                       <a:r>
-                        <a:rPr i="0" lang="en-US" sz="1200" u="none" cap="none" strike="noStrike">
+                        <a:rPr b="0" i="0" lang="en-US" sz="1100" u="none" cap="none" strike="noStrike">
                           <a:solidFill>
                             <a:schemeClr val="lt1"/>
                           </a:solidFill>
@@ -24871,17 +25003,14 @@
                         </a:rPr>
                         <a:t>5.18%</a:t>
                       </a:r>
-                      <a:endParaRPr sz="1200">
-                        <a:latin typeface="Bookman Old Style"/>
-                        <a:ea typeface="Bookman Old Style"/>
-                        <a:cs typeface="Bookman Old Style"/>
-                        <a:sym typeface="Bookman Old Style"/>
-                      </a:endParaRPr>
+                      <a:endParaRPr/>
                     </a:p>
                   </a:txBody>
                   <a:tcPr marT="9525" marB="0" marR="9525" marL="9525" anchor="b">
                     <a:solidFill>
-                      <a:srgbClr val="1155CC"/>
+                      <a:srgbClr val="649FCC">
+                        <a:alpha val="55686"/>
+                      </a:srgbClr>
                     </a:solidFill>
                   </a:tcPr>
                 </a:tc>
@@ -24904,7 +25033,7 @@
                         <a:buNone/>
                       </a:pPr>
                       <a:r>
-                        <a:rPr i="0" lang="en-US" sz="1200" u="none" cap="none" strike="noStrike">
+                        <a:rPr b="0" i="0" lang="en-US" sz="1100" u="none" cap="none" strike="noStrike">
                           <a:solidFill>
                             <a:schemeClr val="lt1"/>
                           </a:solidFill>
@@ -24915,17 +25044,14 @@
                         </a:rPr>
                         <a:t>OTHER</a:t>
                       </a:r>
-                      <a:endParaRPr sz="1200">
-                        <a:latin typeface="Bookman Old Style"/>
-                        <a:ea typeface="Bookman Old Style"/>
-                        <a:cs typeface="Bookman Old Style"/>
-                        <a:sym typeface="Bookman Old Style"/>
-                      </a:endParaRPr>
+                      <a:endParaRPr/>
                     </a:p>
                   </a:txBody>
                   <a:tcPr marT="9525" marB="0" marR="9525" marL="9525" anchor="ctr">
                     <a:solidFill>
-                      <a:srgbClr val="1155CC"/>
+                      <a:srgbClr val="649FCC">
+                        <a:alpha val="55686"/>
+                      </a:srgbClr>
                     </a:solidFill>
                   </a:tcPr>
                 </a:tc>
@@ -24946,7 +25072,7 @@
                         <a:buNone/>
                       </a:pPr>
                       <a:r>
-                        <a:rPr i="0" lang="en-US" sz="1200" u="none" cap="none" strike="noStrike">
+                        <a:rPr b="0" i="0" lang="en-US" sz="1100" u="none" cap="none" strike="noStrike">
                           <a:solidFill>
                             <a:schemeClr val="lt1"/>
                           </a:solidFill>
@@ -24957,17 +25083,14 @@
                         </a:rPr>
                         <a:t>FAILURE TO DISPLAY REGISTRATION CARD UPON DEMAND BY POLICE OFFICER</a:t>
                       </a:r>
-                      <a:endParaRPr sz="1200">
-                        <a:latin typeface="Bookman Old Style"/>
-                        <a:ea typeface="Bookman Old Style"/>
-                        <a:cs typeface="Bookman Old Style"/>
-                        <a:sym typeface="Bookman Old Style"/>
-                      </a:endParaRPr>
+                      <a:endParaRPr/>
                     </a:p>
                   </a:txBody>
                   <a:tcPr marT="9525" marB="0" marR="9525" marL="9525" anchor="b">
                     <a:solidFill>
-                      <a:srgbClr val="1155CC"/>
+                      <a:srgbClr val="649FCC">
+                        <a:alpha val="55686"/>
+                      </a:srgbClr>
                     </a:solidFill>
                   </a:tcPr>
                 </a:tc>
@@ -24988,7 +25111,7 @@
                         <a:buNone/>
                       </a:pPr>
                       <a:r>
-                        <a:rPr i="0" lang="en-US" sz="1200" u="none" cap="none" strike="noStrike">
+                        <a:rPr b="0" i="0" lang="en-US" sz="1100" u="none" cap="none" strike="noStrike">
                           <a:solidFill>
                             <a:schemeClr val="lt1"/>
                           </a:solidFill>
@@ -24999,17 +25122,14 @@
                         </a:rPr>
                         <a:t>5.05%</a:t>
                       </a:r>
-                      <a:endParaRPr sz="1200">
-                        <a:latin typeface="Bookman Old Style"/>
-                        <a:ea typeface="Bookman Old Style"/>
-                        <a:cs typeface="Bookman Old Style"/>
-                        <a:sym typeface="Bookman Old Style"/>
-                      </a:endParaRPr>
+                      <a:endParaRPr/>
                     </a:p>
                   </a:txBody>
                   <a:tcPr marT="9525" marB="0" marR="9525" marL="9525" anchor="b">
                     <a:solidFill>
-                      <a:srgbClr val="1155CC"/>
+                      <a:srgbClr val="649FCC">
+                        <a:alpha val="55686"/>
+                      </a:srgbClr>
                     </a:solidFill>
                   </a:tcPr>
                 </a:tc>
@@ -25026,12 +25146,12 @@
 </p:sld>
 </file>
 
-<file path=ppt/slides/slide16.xml><?xml version="1.0" encoding="utf-8"?>
+<file path=ppt/slides/slide17.xml><?xml version="1.0" encoding="utf-8"?>
 <p:sld xmlns:a="http://schemas.openxmlformats.org/drawingml/2006/main" xmlns:r="http://schemas.openxmlformats.org/officeDocument/2006/relationships" xmlns:mc="http://schemas.openxmlformats.org/markup-compatibility/2006" xmlns:mv="urn:schemas-microsoft-com:mac:vml" xmlns:p="http://schemas.openxmlformats.org/presentationml/2006/main" xmlns:c="http://schemas.openxmlformats.org/drawingml/2006/chart" xmlns:dgm="http://schemas.openxmlformats.org/drawingml/2006/diagram" xmlns:o="urn:schemas-microsoft-com:office:office" xmlns:v="urn:schemas-microsoft-com:vml" xmlns:pvml="urn:schemas-microsoft-com:office:powerpoint" xmlns:com="http://schemas.openxmlformats.org/drawingml/2006/compatibility" xmlns:p14="http://schemas.microsoft.com/office/powerpoint/2010/main" xmlns:p15="http://schemas.microsoft.com/office/powerpoint/2012/main">
   <p:cSld>
     <p:spTree>
       <p:nvGrpSpPr>
-        <p:cNvPr id="251" name="Shape 251"/>
+        <p:cNvPr id="256" name="Shape 256"/>
         <p:cNvGrpSpPr/>
         <p:nvPr/>
       </p:nvGrpSpPr>
@@ -25045,7 +25165,7 @@
       </p:grpSpPr>
       <p:sp>
         <p:nvSpPr>
-          <p:cNvPr id="252" name="Google Shape;252;p36"/>
+          <p:cNvPr id="257" name="Google Shape;257;p37"/>
           <p:cNvSpPr txBox="1"/>
           <p:nvPr>
             <p:ph type="title"/>
@@ -25097,7 +25217,7 @@
       </p:sp>
       <p:sp>
         <p:nvSpPr>
-          <p:cNvPr id="253" name="Google Shape;253;p36"/>
+          <p:cNvPr id="258" name="Google Shape;258;p37"/>
           <p:cNvSpPr txBox="1"/>
           <p:nvPr>
             <p:ph idx="4294967295" type="body"/>
@@ -25296,12 +25416,12 @@
 </p:sld>
 </file>
 
-<file path=ppt/slides/slide17.xml><?xml version="1.0" encoding="utf-8"?>
+<file path=ppt/slides/slide18.xml><?xml version="1.0" encoding="utf-8"?>
 <p:sld xmlns:a="http://schemas.openxmlformats.org/drawingml/2006/main" xmlns:r="http://schemas.openxmlformats.org/officeDocument/2006/relationships" xmlns:mc="http://schemas.openxmlformats.org/markup-compatibility/2006" xmlns:mv="urn:schemas-microsoft-com:mac:vml" xmlns:p="http://schemas.openxmlformats.org/presentationml/2006/main" xmlns:c="http://schemas.openxmlformats.org/drawingml/2006/chart" xmlns:dgm="http://schemas.openxmlformats.org/drawingml/2006/diagram" xmlns:o="urn:schemas-microsoft-com:office:office" xmlns:v="urn:schemas-microsoft-com:vml" xmlns:pvml="urn:schemas-microsoft-com:office:powerpoint" xmlns:com="http://schemas.openxmlformats.org/drawingml/2006/compatibility" xmlns:p14="http://schemas.microsoft.com/office/powerpoint/2010/main" xmlns:p15="http://schemas.microsoft.com/office/powerpoint/2012/main">
   <p:cSld>
     <p:spTree>
       <p:nvGrpSpPr>
-        <p:cNvPr id="257" name="Shape 257"/>
+        <p:cNvPr id="262" name="Shape 262"/>
         <p:cNvGrpSpPr/>
         <p:nvPr/>
       </p:nvGrpSpPr>
@@ -25315,7 +25435,7 @@
       </p:grpSpPr>
       <p:sp>
         <p:nvSpPr>
-          <p:cNvPr id="258" name="Google Shape;258;p37"/>
+          <p:cNvPr id="263" name="Google Shape;263;p38"/>
           <p:cNvSpPr txBox="1"/>
           <p:nvPr>
             <p:ph type="title"/>
@@ -25367,7 +25487,7 @@
       </p:sp>
       <p:sp>
         <p:nvSpPr>
-          <p:cNvPr id="259" name="Google Shape;259;p37"/>
+          <p:cNvPr id="264" name="Google Shape;264;p38"/>
           <p:cNvSpPr txBox="1"/>
           <p:nvPr>
             <p:ph idx="1" type="body"/>
@@ -25375,8 +25495,8 @@
         </p:nvSpPr>
         <p:spPr>
           <a:xfrm>
-            <a:off x="913875" y="1996050"/>
-            <a:ext cx="10353600" cy="4319100"/>
+            <a:off x="913795" y="2096064"/>
+            <a:ext cx="10353762" cy="3695136"/>
           </a:xfrm>
           <a:prstGeom prst="rect">
             <a:avLst/>
@@ -25411,15 +25531,10 @@
             <a:r>
               <a:t/>
             </a:r>
-            <a:endParaRPr sz="2400">
-              <a:latin typeface="Bookman Old Style"/>
-              <a:ea typeface="Bookman Old Style"/>
-              <a:cs typeface="Bookman Old Style"/>
-              <a:sym typeface="Bookman Old Style"/>
-            </a:endParaRPr>
+            <a:endParaRPr/>
           </a:p>
           <a:p>
-            <a:pPr indent="-254000" lvl="0" marL="228600" rtl="0" algn="l">
+            <a:pPr indent="-228600" lvl="0" marL="228600" rtl="0" algn="l">
               <a:lnSpc>
                 <a:spcPct val="120000"/>
               </a:lnSpc>
@@ -25432,142 +25547,14 @@
               <a:buClr>
                 <a:schemeClr val="lt1"/>
               </a:buClr>
-              <a:buSzPts val="2400"/>
-              <a:buFont typeface="Bookman Old Style"/>
+              <a:buSzPts val="2000"/>
               <a:buChar char="•"/>
             </a:pPr>
             <a:r>
-              <a:rPr lang="en-US" sz="2400">
-                <a:latin typeface="Bookman Old Style"/>
-                <a:ea typeface="Bookman Old Style"/>
-                <a:cs typeface="Bookman Old Style"/>
-                <a:sym typeface="Bookman Old Style"/>
-              </a:rPr>
-              <a:t>Obviously we saw Male tends to get more tickets than Females</a:t>
+              <a:rPr lang="en-US"/>
+              <a:t>We were expecting to see more tickets issued during the summer (June-August), since school is out. This was disproven when we saw the largest quantities were issued during March - May, depending on the year.</a:t>
             </a:r>
-            <a:endParaRPr sz="2400">
-              <a:latin typeface="Bookman Old Style"/>
-              <a:ea typeface="Bookman Old Style"/>
-              <a:cs typeface="Bookman Old Style"/>
-              <a:sym typeface="Bookman Old Style"/>
-            </a:endParaRPr>
-          </a:p>
-          <a:p>
-            <a:pPr indent="-254000" lvl="0" marL="228600" rtl="0" algn="l">
-              <a:lnSpc>
-                <a:spcPct val="120000"/>
-              </a:lnSpc>
-              <a:spcBef>
-                <a:spcPts val="1000"/>
-              </a:spcBef>
-              <a:spcAft>
-                <a:spcPts val="0"/>
-              </a:spcAft>
-              <a:buSzPts val="2400"/>
-              <a:buFont typeface="Bookman Old Style"/>
-              <a:buChar char="•"/>
-            </a:pPr>
-            <a:r>
-              <a:rPr lang="en-US" sz="2400">
-                <a:latin typeface="Bookman Old Style"/>
-                <a:ea typeface="Bookman Old Style"/>
-                <a:cs typeface="Bookman Old Style"/>
-                <a:sym typeface="Bookman Old Style"/>
-              </a:rPr>
-              <a:t>Based on our analysis  White race gets stopped more for the moving violations.</a:t>
-            </a:r>
-            <a:endParaRPr sz="2400">
-              <a:latin typeface="Bookman Old Style"/>
-              <a:ea typeface="Bookman Old Style"/>
-              <a:cs typeface="Bookman Old Style"/>
-              <a:sym typeface="Bookman Old Style"/>
-            </a:endParaRPr>
-          </a:p>
-          <a:p>
-            <a:pPr indent="-254000" lvl="0" marL="228600" rtl="0" algn="l">
-              <a:lnSpc>
-                <a:spcPct val="120000"/>
-              </a:lnSpc>
-              <a:spcBef>
-                <a:spcPts val="1000"/>
-              </a:spcBef>
-              <a:spcAft>
-                <a:spcPts val="0"/>
-              </a:spcAft>
-              <a:buClr>
-                <a:schemeClr val="lt1"/>
-              </a:buClr>
-              <a:buSzPts val="2400"/>
-              <a:buFont typeface="Bookman Old Style"/>
-              <a:buChar char="•"/>
-            </a:pPr>
-            <a:r>
-              <a:rPr lang="en-US" sz="2400">
-                <a:latin typeface="Bookman Old Style"/>
-                <a:ea typeface="Bookman Old Style"/>
-                <a:cs typeface="Bookman Old Style"/>
-                <a:sym typeface="Bookman Old Style"/>
-              </a:rPr>
-              <a:t>We were expecting to see more tickets issued during the summer (June-August), since school is out. </a:t>
-            </a:r>
-            <a:endParaRPr sz="2400">
-              <a:latin typeface="Bookman Old Style"/>
-              <a:ea typeface="Bookman Old Style"/>
-              <a:cs typeface="Bookman Old Style"/>
-              <a:sym typeface="Bookman Old Style"/>
-            </a:endParaRPr>
-          </a:p>
-          <a:p>
-            <a:pPr indent="-254000" lvl="0" marL="228600" rtl="0" algn="l">
-              <a:lnSpc>
-                <a:spcPct val="120000"/>
-              </a:lnSpc>
-              <a:spcBef>
-                <a:spcPts val="1000"/>
-              </a:spcBef>
-              <a:spcAft>
-                <a:spcPts val="0"/>
-              </a:spcAft>
-              <a:buClr>
-                <a:schemeClr val="lt1"/>
-              </a:buClr>
-              <a:buSzPts val="2400"/>
-              <a:buFont typeface="Bookman Old Style"/>
-              <a:buChar char="•"/>
-            </a:pPr>
-            <a:r>
-              <a:rPr lang="en-US" sz="2400">
-                <a:latin typeface="Bookman Old Style"/>
-                <a:ea typeface="Bookman Old Style"/>
-                <a:cs typeface="Bookman Old Style"/>
-                <a:sym typeface="Bookman Old Style"/>
-              </a:rPr>
-              <a:t>This was </a:t>
-            </a:r>
-            <a:r>
-              <a:rPr lang="en-US" sz="2400">
-                <a:latin typeface="Bookman Old Style"/>
-                <a:ea typeface="Bookman Old Style"/>
-                <a:cs typeface="Bookman Old Style"/>
-                <a:sym typeface="Bookman Old Style"/>
-              </a:rPr>
-              <a:t>disproved</a:t>
-            </a:r>
-            <a:r>
-              <a:rPr lang="en-US" sz="2400">
-                <a:latin typeface="Bookman Old Style"/>
-                <a:ea typeface="Bookman Old Style"/>
-                <a:cs typeface="Bookman Old Style"/>
-                <a:sym typeface="Bookman Old Style"/>
-              </a:rPr>
-              <a:t> when we saw the largest quantities were issued during March - May, depending on the year.</a:t>
-            </a:r>
-            <a:endParaRPr sz="2400">
-              <a:latin typeface="Bookman Old Style"/>
-              <a:ea typeface="Bookman Old Style"/>
-              <a:cs typeface="Bookman Old Style"/>
-              <a:sym typeface="Bookman Old Style"/>
-            </a:endParaRPr>
+            <a:endParaRPr/>
           </a:p>
         </p:txBody>
       </p:sp>
@@ -25579,12 +25566,12 @@
 </p:sld>
 </file>
 
-<file path=ppt/slides/slide18.xml><?xml version="1.0" encoding="utf-8"?>
+<file path=ppt/slides/slide19.xml><?xml version="1.0" encoding="utf-8"?>
 <p:sld xmlns:a="http://schemas.openxmlformats.org/drawingml/2006/main" xmlns:r="http://schemas.openxmlformats.org/officeDocument/2006/relationships" xmlns:mc="http://schemas.openxmlformats.org/markup-compatibility/2006" xmlns:mv="urn:schemas-microsoft-com:mac:vml" xmlns:p="http://schemas.openxmlformats.org/presentationml/2006/main" xmlns:c="http://schemas.openxmlformats.org/drawingml/2006/chart" xmlns:dgm="http://schemas.openxmlformats.org/drawingml/2006/diagram" xmlns:o="urn:schemas-microsoft-com:office:office" xmlns:v="urn:schemas-microsoft-com:vml" xmlns:pvml="urn:schemas-microsoft-com:office:powerpoint" xmlns:com="http://schemas.openxmlformats.org/drawingml/2006/compatibility" xmlns:p14="http://schemas.microsoft.com/office/powerpoint/2010/main" xmlns:p15="http://schemas.microsoft.com/office/powerpoint/2012/main">
   <p:cSld>
     <p:spTree>
       <p:nvGrpSpPr>
-        <p:cNvPr id="263" name="Shape 263"/>
+        <p:cNvPr id="268" name="Shape 268"/>
         <p:cNvGrpSpPr/>
         <p:nvPr/>
       </p:nvGrpSpPr>
@@ -25598,7 +25585,7 @@
       </p:grpSpPr>
       <p:sp>
         <p:nvSpPr>
-          <p:cNvPr id="264" name="Google Shape;264;p38"/>
+          <p:cNvPr id="269" name="Google Shape;269;p39"/>
           <p:cNvSpPr txBox="1"/>
           <p:nvPr>
             <p:ph type="title"/>
@@ -25641,16 +25628,16 @@
               <a:buNone/>
             </a:pPr>
             <a:r>
-              <a:rPr lang="en-US" sz="3800"/>
+              <a:rPr lang="en-US"/>
               <a:t>POST-MORTEM</a:t>
             </a:r>
-            <a:endParaRPr sz="3800"/>
+            <a:endParaRPr/>
           </a:p>
         </p:txBody>
       </p:sp>
       <p:sp>
         <p:nvSpPr>
-          <p:cNvPr id="265" name="Google Shape;265;p38"/>
+          <p:cNvPr id="270" name="Google Shape;270;p39"/>
           <p:cNvSpPr txBox="1"/>
           <p:nvPr>
             <p:ph idx="1" type="body"/>
@@ -25658,8 +25645,8 @@
         </p:nvSpPr>
         <p:spPr>
           <a:xfrm>
-            <a:off x="913800" y="2096096"/>
-            <a:ext cx="10353600" cy="1847400"/>
+            <a:off x="913795" y="2096064"/>
+            <a:ext cx="10353762" cy="636976"/>
           </a:xfrm>
           <a:prstGeom prst="rect">
             <a:avLst/>
@@ -25675,344 +25662,25 @@
           </a:bodyPr>
           <a:lstStyle/>
           <a:p>
-            <a:pPr indent="0" lvl="0" marL="0" rtl="0" algn="l">
-              <a:lnSpc>
-                <a:spcPct val="120000"/>
-              </a:lnSpc>
-              <a:spcBef>
-                <a:spcPts val="0"/>
-              </a:spcBef>
-              <a:spcAft>
-                <a:spcPts val="0"/>
-              </a:spcAft>
-              <a:buNone/>
+            <a:pPr indent="-228600" lvl="0" marL="228600" rtl="0" algn="l">
+              <a:lnSpc>
+                <a:spcPct val="120000"/>
+              </a:lnSpc>
+              <a:spcBef>
+                <a:spcPts val="0"/>
+              </a:spcBef>
+              <a:spcAft>
+                <a:spcPts val="0"/>
+              </a:spcAft>
+              <a:buClr>
+                <a:schemeClr val="lt1"/>
+              </a:buClr>
+              <a:buSzPts val="2000"/>
+              <a:buChar char="•"/>
             </a:pPr>
             <a:r>
-              <a:rPr lang="en-US" sz="2400">
-                <a:latin typeface="Bookman Old Style"/>
-                <a:ea typeface="Bookman Old Style"/>
-                <a:cs typeface="Bookman Old Style"/>
-                <a:sym typeface="Bookman Old Style"/>
-              </a:rPr>
-              <a:t>The Dataset</a:t>
-            </a:r>
-            <a:endParaRPr sz="2400">
-              <a:latin typeface="Bookman Old Style"/>
-              <a:ea typeface="Bookman Old Style"/>
-              <a:cs typeface="Bookman Old Style"/>
-              <a:sym typeface="Bookman Old Style"/>
-            </a:endParaRPr>
-          </a:p>
-          <a:p>
-            <a:pPr indent="0" lvl="0" marL="0" rtl="0" algn="l">
-              <a:lnSpc>
-                <a:spcPct val="120000"/>
-              </a:lnSpc>
-              <a:spcBef>
-                <a:spcPts val="0"/>
-              </a:spcBef>
-              <a:spcAft>
-                <a:spcPts val="0"/>
-              </a:spcAft>
-              <a:buNone/>
-            </a:pPr>
-            <a:r>
-              <a:t/>
-            </a:r>
-            <a:endParaRPr sz="2800">
-              <a:latin typeface="Bookman Old Style"/>
-              <a:ea typeface="Bookman Old Style"/>
-              <a:cs typeface="Bookman Old Style"/>
-              <a:sym typeface="Bookman Old Style"/>
-            </a:endParaRPr>
-          </a:p>
-          <a:p>
-            <a:pPr indent="0" lvl="0" marL="0" rtl="0" algn="l">
-              <a:lnSpc>
-                <a:spcPct val="120000"/>
-              </a:lnSpc>
-              <a:spcBef>
-                <a:spcPts val="0"/>
-              </a:spcBef>
-              <a:spcAft>
-                <a:spcPts val="0"/>
-              </a:spcAft>
-              <a:buNone/>
-            </a:pPr>
-            <a:r>
-              <a:rPr lang="en-US" sz="2400">
-                <a:latin typeface="Bookman Old Style"/>
-                <a:ea typeface="Bookman Old Style"/>
-                <a:cs typeface="Bookman Old Style"/>
-                <a:sym typeface="Bookman Old Style"/>
-              </a:rPr>
-              <a:t>Limited amount of analysis with very few columns to work with.</a:t>
-            </a:r>
-            <a:endParaRPr sz="2400">
-              <a:latin typeface="Bookman Old Style"/>
-              <a:ea typeface="Bookman Old Style"/>
-              <a:cs typeface="Bookman Old Style"/>
-              <a:sym typeface="Bookman Old Style"/>
-            </a:endParaRPr>
-          </a:p>
-          <a:p>
-            <a:pPr indent="0" lvl="0" marL="0" rtl="0" algn="l">
-              <a:lnSpc>
-                <a:spcPct val="120000"/>
-              </a:lnSpc>
-              <a:spcBef>
-                <a:spcPts val="0"/>
-              </a:spcBef>
-              <a:spcAft>
-                <a:spcPts val="0"/>
-              </a:spcAft>
-              <a:buNone/>
-            </a:pPr>
-            <a:r>
-              <a:t/>
-            </a:r>
-            <a:endParaRPr sz="2400">
-              <a:latin typeface="Bookman Old Style"/>
-              <a:ea typeface="Bookman Old Style"/>
-              <a:cs typeface="Bookman Old Style"/>
-              <a:sym typeface="Bookman Old Style"/>
-            </a:endParaRPr>
-          </a:p>
-          <a:p>
-            <a:pPr indent="0" lvl="0" marL="0" rtl="0" algn="l">
-              <a:lnSpc>
-                <a:spcPct val="120000"/>
-              </a:lnSpc>
-              <a:spcBef>
-                <a:spcPts val="0"/>
-              </a:spcBef>
-              <a:spcAft>
-                <a:spcPts val="0"/>
-              </a:spcAft>
-              <a:buNone/>
-            </a:pPr>
-            <a:r>
-              <a:rPr lang="en-US" sz="2400">
-                <a:latin typeface="Bookman Old Style"/>
-                <a:ea typeface="Bookman Old Style"/>
-                <a:cs typeface="Bookman Old Style"/>
-                <a:sym typeface="Bookman Old Style"/>
-              </a:rPr>
-              <a:t>The columns - State, DL State were </a:t>
-            </a:r>
-            <a:r>
-              <a:rPr lang="en-US" sz="2400">
-                <a:latin typeface="Bookman Old Style"/>
-                <a:ea typeface="Bookman Old Style"/>
-                <a:cs typeface="Bookman Old Style"/>
-                <a:sym typeface="Bookman Old Style"/>
-              </a:rPr>
-              <a:t>pretty much</a:t>
-            </a:r>
-            <a:r>
-              <a:rPr lang="en-US" sz="2400">
-                <a:latin typeface="Bookman Old Style"/>
-                <a:ea typeface="Bookman Old Style"/>
-                <a:cs typeface="Bookman Old Style"/>
-                <a:sym typeface="Bookman Old Style"/>
-              </a:rPr>
-              <a:t> </a:t>
-            </a:r>
-            <a:r>
-              <a:rPr lang="en-US" sz="2400">
-                <a:latin typeface="Bookman Old Style"/>
-                <a:ea typeface="Bookman Old Style"/>
-                <a:cs typeface="Bookman Old Style"/>
-                <a:sym typeface="Bookman Old Style"/>
-              </a:rPr>
-              <a:t>overlapping</a:t>
-            </a:r>
-            <a:r>
-              <a:rPr lang="en-US" sz="2400">
-                <a:latin typeface="Bookman Old Style"/>
-                <a:ea typeface="Bookman Old Style"/>
-                <a:cs typeface="Bookman Old Style"/>
-                <a:sym typeface="Bookman Old Style"/>
-              </a:rPr>
-              <a:t> and confusing to understand.</a:t>
-            </a:r>
-            <a:endParaRPr sz="2400">
-              <a:latin typeface="Bookman Old Style"/>
-              <a:ea typeface="Bookman Old Style"/>
-              <a:cs typeface="Bookman Old Style"/>
-              <a:sym typeface="Bookman Old Style"/>
-            </a:endParaRPr>
-          </a:p>
-          <a:p>
-            <a:pPr indent="0" lvl="0" marL="0" rtl="0" algn="l">
-              <a:lnSpc>
-                <a:spcPct val="120000"/>
-              </a:lnSpc>
-              <a:spcBef>
-                <a:spcPts val="0"/>
-              </a:spcBef>
-              <a:spcAft>
-                <a:spcPts val="0"/>
-              </a:spcAft>
-              <a:buNone/>
-            </a:pPr>
-            <a:r>
-              <a:t/>
-            </a:r>
-            <a:endParaRPr sz="2400">
-              <a:latin typeface="Bookman Old Style"/>
-              <a:ea typeface="Bookman Old Style"/>
-              <a:cs typeface="Bookman Old Style"/>
-              <a:sym typeface="Bookman Old Style"/>
-            </a:endParaRPr>
-          </a:p>
-          <a:p>
-            <a:pPr indent="0" lvl="0" marL="0" rtl="0" algn="l">
-              <a:lnSpc>
-                <a:spcPct val="120000"/>
-              </a:lnSpc>
-              <a:spcBef>
-                <a:spcPts val="0"/>
-              </a:spcBef>
-              <a:spcAft>
-                <a:spcPts val="0"/>
-              </a:spcAft>
-              <a:buNone/>
-            </a:pPr>
-            <a:r>
-              <a:t/>
-            </a:r>
-            <a:endParaRPr sz="2400">
-              <a:latin typeface="Bookman Old Style"/>
-              <a:ea typeface="Bookman Old Style"/>
-              <a:cs typeface="Bookman Old Style"/>
-              <a:sym typeface="Bookman Old Style"/>
-            </a:endParaRPr>
-          </a:p>
-          <a:p>
-            <a:pPr indent="0" lvl="0" marL="0" rtl="0" algn="l">
-              <a:lnSpc>
-                <a:spcPct val="120000"/>
-              </a:lnSpc>
-              <a:spcBef>
-                <a:spcPts val="0"/>
-              </a:spcBef>
-              <a:spcAft>
-                <a:spcPts val="0"/>
-              </a:spcAft>
-              <a:buNone/>
-            </a:pPr>
-            <a:r>
-              <a:t/>
-            </a:r>
-            <a:endParaRPr sz="2400">
-              <a:latin typeface="Bookman Old Style"/>
-              <a:ea typeface="Bookman Old Style"/>
-              <a:cs typeface="Bookman Old Style"/>
-              <a:sym typeface="Bookman Old Style"/>
-            </a:endParaRPr>
-          </a:p>
-        </p:txBody>
-      </p:sp>
-    </p:spTree>
-  </p:cSld>
-  <p:clrMapOvr>
-    <a:masterClrMapping/>
-  </p:clrMapOvr>
-</p:sld>
-</file>
-
-<file path=ppt/slides/slide19.xml><?xml version="1.0" encoding="utf-8"?>
-<p:sld xmlns:a="http://schemas.openxmlformats.org/drawingml/2006/main" xmlns:r="http://schemas.openxmlformats.org/officeDocument/2006/relationships" xmlns:mc="http://schemas.openxmlformats.org/markup-compatibility/2006" xmlns:mv="urn:schemas-microsoft-com:mac:vml" xmlns:p="http://schemas.openxmlformats.org/presentationml/2006/main" xmlns:c="http://schemas.openxmlformats.org/drawingml/2006/chart" xmlns:dgm="http://schemas.openxmlformats.org/drawingml/2006/diagram" xmlns:o="urn:schemas-microsoft-com:office:office" xmlns:v="urn:schemas-microsoft-com:vml" xmlns:pvml="urn:schemas-microsoft-com:office:powerpoint" xmlns:com="http://schemas.openxmlformats.org/drawingml/2006/compatibility" xmlns:p14="http://schemas.microsoft.com/office/powerpoint/2010/main" xmlns:p15="http://schemas.microsoft.com/office/powerpoint/2012/main">
-  <p:cSld>
-    <p:spTree>
-      <p:nvGrpSpPr>
-        <p:cNvPr id="269" name="Shape 269"/>
-        <p:cNvGrpSpPr/>
-        <p:nvPr/>
-      </p:nvGrpSpPr>
-      <p:grpSpPr>
-        <a:xfrm>
-          <a:off x="0" y="0"/>
-          <a:ext cx="0" cy="0"/>
-          <a:chOff x="0" y="0"/>
-          <a:chExt cx="0" cy="0"/>
-        </a:xfrm>
-      </p:grpSpPr>
-      <p:pic>
-        <p:nvPicPr>
-          <p:cNvPr id="270" name="Google Shape;270;p39"/>
-          <p:cNvPicPr preferRelativeResize="0"/>
-          <p:nvPr/>
-        </p:nvPicPr>
-        <p:blipFill rotWithShape="1">
-          <a:blip r:embed="rId3">
-            <a:alphaModFix/>
-          </a:blip>
-          <a:srcRect b="0" l="0" r="0" t="0"/>
-          <a:stretch/>
-        </p:blipFill>
-        <p:spPr>
-          <a:xfrm>
-            <a:off x="2184400" y="428871"/>
-            <a:ext cx="7823200" cy="6000258"/>
-          </a:xfrm>
-          <a:prstGeom prst="rect">
-            <a:avLst/>
-          </a:prstGeom>
-          <a:noFill/>
-          <a:ln>
-            <a:noFill/>
-          </a:ln>
-        </p:spPr>
-      </p:pic>
-      <p:sp>
-        <p:nvSpPr>
-          <p:cNvPr id="271" name="Google Shape;271;p39"/>
-          <p:cNvSpPr txBox="1"/>
-          <p:nvPr>
-            <p:ph type="title"/>
-          </p:nvPr>
-        </p:nvSpPr>
-        <p:spPr>
-          <a:xfrm>
-            <a:off x="919119" y="264160"/>
-            <a:ext cx="10353761" cy="1326321"/>
-          </a:xfrm>
-          <a:prstGeom prst="rect">
-            <a:avLst/>
-          </a:prstGeom>
-          <a:noFill/>
-          <a:ln>
-            <a:noFill/>
-          </a:ln>
-        </p:spPr>
-        <p:txBody>
-          <a:bodyPr anchorCtr="0" anchor="ctr" bIns="45700" lIns="91425" spcFirstLastPara="1" rIns="91425" wrap="square" tIns="45700">
-            <a:noAutofit/>
-          </a:bodyPr>
-          <a:lstStyle/>
-          <a:p>
-            <a:pPr indent="0" lvl="0" marL="0" rtl="0" algn="ctr">
-              <a:lnSpc>
-                <a:spcPct val="90000"/>
-              </a:lnSpc>
-              <a:spcBef>
-                <a:spcPts val="0"/>
-              </a:spcBef>
-              <a:spcAft>
-                <a:spcPts val="0"/>
-              </a:spcAft>
-              <a:buClr>
-                <a:schemeClr val="lt1"/>
-              </a:buClr>
-              <a:buSzPts val="8000"/>
-              <a:buFont typeface="Bookman Old Style"/>
-              <a:buNone/>
-            </a:pPr>
-            <a:r>
-              <a:rPr lang="en-US" sz="8000"/>
-              <a:t>QUESTIONS?</a:t>
+              <a:rPr lang="en-US"/>
+              <a:t>Challenges</a:t>
             </a:r>
             <a:endParaRPr/>
           </a:p>
@@ -26058,7 +25726,7 @@
             <a:tbl>
               <a:tblPr bandRow="1" firstRow="1">
                 <a:noFill/>
-                <a:tableStyleId>{46FF4F04-0C35-4DB5-B688-CA29F152A119}</a:tableStyleId>
+                <a:tableStyleId>{076ED876-B4D1-4B48-A03D-B9AB14FAE558}</a:tableStyleId>
               </a:tblPr>
               <a:tblGrid>
                 <a:gridCol w="9627300"/>
@@ -26210,6 +25878,110 @@
 </p:sld>
 </file>
 
+<file path=ppt/slides/slide20.xml><?xml version="1.0" encoding="utf-8"?>
+<p:sld xmlns:a="http://schemas.openxmlformats.org/drawingml/2006/main" xmlns:r="http://schemas.openxmlformats.org/officeDocument/2006/relationships" xmlns:mc="http://schemas.openxmlformats.org/markup-compatibility/2006" xmlns:mv="urn:schemas-microsoft-com:mac:vml" xmlns:p="http://schemas.openxmlformats.org/presentationml/2006/main" xmlns:c="http://schemas.openxmlformats.org/drawingml/2006/chart" xmlns:dgm="http://schemas.openxmlformats.org/drawingml/2006/diagram" xmlns:o="urn:schemas-microsoft-com:office:office" xmlns:v="urn:schemas-microsoft-com:vml" xmlns:pvml="urn:schemas-microsoft-com:office:powerpoint" xmlns:com="http://schemas.openxmlformats.org/drawingml/2006/compatibility" xmlns:p14="http://schemas.microsoft.com/office/powerpoint/2010/main" xmlns:p15="http://schemas.microsoft.com/office/powerpoint/2012/main">
+  <p:cSld>
+    <p:spTree>
+      <p:nvGrpSpPr>
+        <p:cNvPr id="274" name="Shape 274"/>
+        <p:cNvGrpSpPr/>
+        <p:nvPr/>
+      </p:nvGrpSpPr>
+      <p:grpSpPr>
+        <a:xfrm>
+          <a:off x="0" y="0"/>
+          <a:ext cx="0" cy="0"/>
+          <a:chOff x="0" y="0"/>
+          <a:chExt cx="0" cy="0"/>
+        </a:xfrm>
+      </p:grpSpPr>
+      <p:pic>
+        <p:nvPicPr>
+          <p:cNvPr id="275" name="Google Shape;275;p40"/>
+          <p:cNvPicPr preferRelativeResize="0"/>
+          <p:nvPr/>
+        </p:nvPicPr>
+        <p:blipFill rotWithShape="1">
+          <a:blip r:embed="rId3">
+            <a:alphaModFix/>
+          </a:blip>
+          <a:srcRect b="0" l="0" r="0" t="0"/>
+          <a:stretch/>
+        </p:blipFill>
+        <p:spPr>
+          <a:xfrm>
+            <a:off x="2184400" y="428871"/>
+            <a:ext cx="7823200" cy="6000258"/>
+          </a:xfrm>
+          <a:prstGeom prst="rect">
+            <a:avLst/>
+          </a:prstGeom>
+          <a:noFill/>
+          <a:ln>
+            <a:noFill/>
+          </a:ln>
+        </p:spPr>
+      </p:pic>
+      <p:sp>
+        <p:nvSpPr>
+          <p:cNvPr id="276" name="Google Shape;276;p40"/>
+          <p:cNvSpPr txBox="1"/>
+          <p:nvPr>
+            <p:ph type="title"/>
+          </p:nvPr>
+        </p:nvSpPr>
+        <p:spPr>
+          <a:xfrm>
+            <a:off x="919119" y="264160"/>
+            <a:ext cx="10353761" cy="1326321"/>
+          </a:xfrm>
+          <a:prstGeom prst="rect">
+            <a:avLst/>
+          </a:prstGeom>
+          <a:noFill/>
+          <a:ln>
+            <a:noFill/>
+          </a:ln>
+        </p:spPr>
+        <p:txBody>
+          <a:bodyPr anchorCtr="0" anchor="ctr" bIns="45700" lIns="91425" spcFirstLastPara="1" rIns="91425" wrap="square" tIns="45700">
+            <a:noAutofit/>
+          </a:bodyPr>
+          <a:lstStyle/>
+          <a:p>
+            <a:pPr indent="0" lvl="0" marL="0" rtl="0" algn="ctr">
+              <a:lnSpc>
+                <a:spcPct val="90000"/>
+              </a:lnSpc>
+              <a:spcBef>
+                <a:spcPts val="0"/>
+              </a:spcBef>
+              <a:spcAft>
+                <a:spcPts val="0"/>
+              </a:spcAft>
+              <a:buClr>
+                <a:schemeClr val="lt1"/>
+              </a:buClr>
+              <a:buSzPts val="8000"/>
+              <a:buFont typeface="Bookman Old Style"/>
+              <a:buNone/>
+            </a:pPr>
+            <a:r>
+              <a:rPr lang="en-US" sz="8000"/>
+              <a:t>QUESTIONS?</a:t>
+            </a:r>
+            <a:endParaRPr/>
+          </a:p>
+        </p:txBody>
+      </p:sp>
+    </p:spTree>
+  </p:cSld>
+  <p:clrMapOvr>
+    <a:masterClrMapping/>
+  </p:clrMapOvr>
+</p:sld>
+</file>
+
 <file path=ppt/slides/slide3.xml><?xml version="1.0" encoding="utf-8"?>
 <p:sld xmlns:a="http://schemas.openxmlformats.org/drawingml/2006/main" xmlns:r="http://schemas.openxmlformats.org/officeDocument/2006/relationships" xmlns:mc="http://schemas.openxmlformats.org/markup-compatibility/2006" xmlns:mv="urn:schemas-microsoft-com:mac:vml" xmlns:p="http://schemas.openxmlformats.org/presentationml/2006/main" xmlns:c="http://schemas.openxmlformats.org/drawingml/2006/chart" xmlns:dgm="http://schemas.openxmlformats.org/drawingml/2006/diagram" xmlns:o="urn:schemas-microsoft-com:office:office" xmlns:v="urn:schemas-microsoft-com:vml" xmlns:pvml="urn:schemas-microsoft-com:office:powerpoint" xmlns:com="http://schemas.openxmlformats.org/drawingml/2006/compatibility" xmlns:p14="http://schemas.microsoft.com/office/powerpoint/2010/main" xmlns:p15="http://schemas.microsoft.com/office/powerpoint/2012/main">
   <p:cSld>
@@ -26871,8 +26643,8 @@
         </p:nvSpPr>
         <p:spPr>
           <a:xfrm>
-            <a:off x="838200" y="1497453"/>
-            <a:ext cx="9992400" cy="3717600"/>
+            <a:off x="1099721" y="1768919"/>
+            <a:ext cx="9992557" cy="2515300"/>
           </a:xfrm>
           <a:prstGeom prst="rect">
             <a:avLst/>
@@ -26888,25 +26660,24 @@
           </a:bodyPr>
           <a:lstStyle/>
           <a:p>
-            <a:pPr indent="-254000" lvl="0" marL="228600" rtl="0" algn="l">
-              <a:lnSpc>
-                <a:spcPct val="120000"/>
-              </a:lnSpc>
-              <a:spcBef>
-                <a:spcPts val="0"/>
-              </a:spcBef>
-              <a:spcAft>
-                <a:spcPts val="0"/>
-              </a:spcAft>
-              <a:buClr>
-                <a:schemeClr val="lt1"/>
-              </a:buClr>
-              <a:buSzPts val="2400"/>
-              <a:buFont typeface="Bookman Old Style"/>
+            <a:pPr indent="-228600" lvl="0" marL="228600" rtl="0" algn="l">
+              <a:lnSpc>
+                <a:spcPct val="120000"/>
+              </a:lnSpc>
+              <a:spcBef>
+                <a:spcPts val="0"/>
+              </a:spcBef>
+              <a:spcAft>
+                <a:spcPts val="0"/>
+              </a:spcAft>
+              <a:buClr>
+                <a:schemeClr val="lt1"/>
+              </a:buClr>
+              <a:buSzPts val="2000"/>
               <a:buChar char="•"/>
             </a:pPr>
             <a:r>
-              <a:rPr lang="en-US" sz="2400">
+              <a:rPr lang="en-US">
                 <a:latin typeface="Bookman Old Style"/>
                 <a:ea typeface="Bookman Old Style"/>
                 <a:cs typeface="Bookman Old Style"/>
@@ -26914,15 +26685,10 @@
               </a:rPr>
               <a:t>The primary language for programming in this project we used is Python. </a:t>
             </a:r>
-            <a:endParaRPr sz="2400">
-              <a:latin typeface="Bookman Old Style"/>
-              <a:ea typeface="Bookman Old Style"/>
-              <a:cs typeface="Bookman Old Style"/>
-              <a:sym typeface="Bookman Old Style"/>
-            </a:endParaRPr>
+            <a:endParaRPr/>
           </a:p>
           <a:p>
-            <a:pPr indent="-254000" lvl="0" marL="228600" rtl="0" algn="l">
+            <a:pPr indent="-228600" lvl="0" marL="228600" rtl="0" algn="l">
               <a:lnSpc>
                 <a:spcPct val="120000"/>
               </a:lnSpc>
@@ -26935,12 +26701,11 @@
               <a:buClr>
                 <a:schemeClr val="lt1"/>
               </a:buClr>
-              <a:buSzPts val="2400"/>
-              <a:buFont typeface="Bookman Old Style"/>
+              <a:buSzPts val="2000"/>
               <a:buChar char="•"/>
             </a:pPr>
             <a:r>
-              <a:rPr lang="en-US" sz="2400">
+              <a:rPr lang="en-US">
                 <a:latin typeface="Bookman Old Style"/>
                 <a:ea typeface="Bookman Old Style"/>
                 <a:cs typeface="Bookman Old Style"/>
@@ -26948,15 +26713,10 @@
               </a:rPr>
               <a:t>Another Python tool that we used are Matplotlib and Seaborn, which is used to create various charts and graphs to represent the data that has been mined. </a:t>
             </a:r>
-            <a:endParaRPr sz="2400">
-              <a:latin typeface="Bookman Old Style"/>
-              <a:ea typeface="Bookman Old Style"/>
-              <a:cs typeface="Bookman Old Style"/>
-              <a:sym typeface="Bookman Old Style"/>
-            </a:endParaRPr>
+            <a:endParaRPr/>
           </a:p>
           <a:p>
-            <a:pPr indent="-254000" lvl="0" marL="228600" rtl="0" algn="l">
+            <a:pPr indent="-228600" lvl="0" marL="228600" rtl="0" algn="l">
               <a:lnSpc>
                 <a:spcPct val="120000"/>
               </a:lnSpc>
@@ -26966,82 +26726,14 @@
               <a:spcAft>
                 <a:spcPts val="0"/>
               </a:spcAft>
-              <a:buSzPts val="2400"/>
-              <a:buFont typeface="Bookman Old Style"/>
+              <a:buClr>
+                <a:schemeClr val="lt1"/>
+              </a:buClr>
+              <a:buSzPts val="2000"/>
               <a:buChar char="•"/>
             </a:pPr>
             <a:r>
-              <a:rPr lang="en-US" sz="2400">
-                <a:latin typeface="Bookman Old Style"/>
-                <a:ea typeface="Bookman Old Style"/>
-                <a:cs typeface="Bookman Old Style"/>
-                <a:sym typeface="Bookman Old Style"/>
-              </a:rPr>
-              <a:t>For </a:t>
-            </a:r>
-            <a:r>
-              <a:rPr lang="en-US" sz="2400">
-                <a:latin typeface="Bookman Old Style"/>
-                <a:ea typeface="Bookman Old Style"/>
-                <a:cs typeface="Bookman Old Style"/>
-                <a:sym typeface="Bookman Old Style"/>
-              </a:rPr>
-              <a:t>statistical</a:t>
-            </a:r>
-            <a:r>
-              <a:rPr lang="en-US" sz="2400">
-                <a:latin typeface="Bookman Old Style"/>
-                <a:ea typeface="Bookman Old Style"/>
-                <a:cs typeface="Bookman Old Style"/>
-                <a:sym typeface="Bookman Old Style"/>
-              </a:rPr>
-              <a:t> analysis we used </a:t>
-            </a:r>
-            <a:r>
-              <a:rPr lang="en-US" sz="2400">
-                <a:latin typeface="Bookman Old Style"/>
-                <a:ea typeface="Bookman Old Style"/>
-                <a:cs typeface="Bookman Old Style"/>
-                <a:sym typeface="Bookman Old Style"/>
-              </a:rPr>
-              <a:t>libraries</a:t>
-            </a:r>
-            <a:r>
-              <a:rPr lang="en-US" sz="2400">
-                <a:latin typeface="Bookman Old Style"/>
-                <a:ea typeface="Bookman Old Style"/>
-                <a:cs typeface="Bookman Old Style"/>
-                <a:sym typeface="Bookman Old Style"/>
-              </a:rPr>
-              <a:t> like math and statistics</a:t>
-            </a:r>
-            <a:endParaRPr sz="2400">
-              <a:latin typeface="Bookman Old Style"/>
-              <a:ea typeface="Bookman Old Style"/>
-              <a:cs typeface="Bookman Old Style"/>
-              <a:sym typeface="Bookman Old Style"/>
-            </a:endParaRPr>
-          </a:p>
-          <a:p>
-            <a:pPr indent="-254000" lvl="0" marL="228600" rtl="0" algn="l">
-              <a:lnSpc>
-                <a:spcPct val="120000"/>
-              </a:lnSpc>
-              <a:spcBef>
-                <a:spcPts val="1000"/>
-              </a:spcBef>
-              <a:spcAft>
-                <a:spcPts val="0"/>
-              </a:spcAft>
-              <a:buClr>
-                <a:schemeClr val="lt1"/>
-              </a:buClr>
-              <a:buSzPts val="2400"/>
-              <a:buFont typeface="Bookman Old Style"/>
-              <a:buChar char="•"/>
-            </a:pPr>
-            <a:r>
-              <a:rPr lang="en-US" sz="2400">
+              <a:rPr lang="en-US">
                 <a:latin typeface="Bookman Old Style"/>
                 <a:ea typeface="Bookman Old Style"/>
                 <a:cs typeface="Bookman Old Style"/>
@@ -27049,35 +26741,7 @@
               </a:rPr>
               <a:t>For Data Manipulation and Analysis, we used Pandas environment.</a:t>
             </a:r>
-            <a:endParaRPr sz="2400">
-              <a:latin typeface="Bookman Old Style"/>
-              <a:ea typeface="Bookman Old Style"/>
-              <a:cs typeface="Bookman Old Style"/>
-              <a:sym typeface="Bookman Old Style"/>
-            </a:endParaRPr>
-          </a:p>
-          <a:p>
-            <a:pPr indent="0" lvl="0" marL="228600" rtl="0" algn="l">
-              <a:lnSpc>
-                <a:spcPct val="120000"/>
-              </a:lnSpc>
-              <a:spcBef>
-                <a:spcPts val="1000"/>
-              </a:spcBef>
-              <a:spcAft>
-                <a:spcPts val="0"/>
-              </a:spcAft>
-              <a:buNone/>
-            </a:pPr>
-            <a:r>
-              <a:t/>
-            </a:r>
-            <a:endParaRPr sz="2400">
-              <a:latin typeface="Bookman Old Style"/>
-              <a:ea typeface="Bookman Old Style"/>
-              <a:cs typeface="Bookman Old Style"/>
-              <a:sym typeface="Bookman Old Style"/>
-            </a:endParaRPr>
+            <a:endParaRPr/>
           </a:p>
         </p:txBody>
       </p:sp>
@@ -27096,8 +26760,8 @@
         </p:blipFill>
         <p:spPr>
           <a:xfrm>
-            <a:off x="8921650" y="4572000"/>
-            <a:ext cx="3649126" cy="2162450"/>
+            <a:off x="8699911" y="4440599"/>
+            <a:ext cx="3870869" cy="2293849"/>
           </a:xfrm>
           <a:prstGeom prst="rect">
             <a:avLst/>
@@ -27367,8 +27031,8 @@
         </p:blipFill>
         <p:spPr>
           <a:xfrm>
-            <a:off x="2288125" y="3624175"/>
-            <a:ext cx="6289901" cy="2412775"/>
+            <a:off x="2639650" y="4388838"/>
+            <a:ext cx="6078050" cy="2331500"/>
           </a:xfrm>
           <a:prstGeom prst="rect">
             <a:avLst/>
@@ -27387,8 +27051,8 @@
         </p:nvSpPr>
         <p:spPr>
           <a:xfrm>
-            <a:off x="1068750" y="6116200"/>
-            <a:ext cx="10054500" cy="599100"/>
+            <a:off x="695850" y="3608150"/>
+            <a:ext cx="9666900" cy="632400"/>
           </a:xfrm>
           <a:prstGeom prst="rect">
             <a:avLst/>
@@ -27423,79 +27087,7 @@
                 <a:cs typeface="Bookman Old Style"/>
                 <a:sym typeface="Bookman Old Style"/>
               </a:rPr>
-              <a:t>Extracted ‘year’, ‘month’ </a:t>
-            </a:r>
-            <a:r>
-              <a:rPr lang="en-US" sz="1800">
-                <a:solidFill>
-                  <a:schemeClr val="lt1"/>
-                </a:solidFill>
-                <a:latin typeface="Bookman Old Style"/>
-                <a:ea typeface="Bookman Old Style"/>
-                <a:cs typeface="Bookman Old Style"/>
-                <a:sym typeface="Bookman Old Style"/>
-              </a:rPr>
-              <a:t>, Hour and </a:t>
-            </a:r>
-            <a:r>
-              <a:rPr b="0" i="0" lang="en-US" sz="1800" u="none" cap="none" strike="noStrike">
-                <a:solidFill>
-                  <a:schemeClr val="lt1"/>
-                </a:solidFill>
-                <a:latin typeface="Bookman Old Style"/>
-                <a:ea typeface="Bookman Old Style"/>
-                <a:cs typeface="Bookman Old Style"/>
-                <a:sym typeface="Bookman Old Style"/>
-              </a:rPr>
-              <a:t>‘Weekday’ from Date Of Stop and </a:t>
-            </a:r>
-            <a:r>
-              <a:rPr lang="en-US" sz="1800">
-                <a:solidFill>
-                  <a:schemeClr val="lt1"/>
-                </a:solidFill>
-                <a:latin typeface="Bookman Old Style"/>
-                <a:ea typeface="Bookman Old Style"/>
-                <a:cs typeface="Bookman Old Style"/>
-                <a:sym typeface="Bookman Old Style"/>
-              </a:rPr>
-              <a:t>T</a:t>
-            </a:r>
-            <a:r>
-              <a:rPr b="0" i="0" lang="en-US" sz="1800" u="none" cap="none" strike="noStrike">
-                <a:solidFill>
-                  <a:schemeClr val="lt1"/>
-                </a:solidFill>
-                <a:latin typeface="Bookman Old Style"/>
-                <a:ea typeface="Bookman Old Style"/>
-                <a:cs typeface="Bookman Old Style"/>
-                <a:sym typeface="Bookman Old Style"/>
-              </a:rPr>
-              <a:t>imestamp </a:t>
-            </a:r>
-            <a:r>
-              <a:rPr lang="en-US" sz="1800">
-                <a:solidFill>
-                  <a:schemeClr val="lt1"/>
-                </a:solidFill>
-                <a:latin typeface="Bookman Old Style"/>
-                <a:ea typeface="Bookman Old Style"/>
-                <a:cs typeface="Bookman Old Style"/>
-                <a:sym typeface="Bookman Old Style"/>
-              </a:rPr>
-              <a:t>columns </a:t>
-            </a:r>
-            <a:r>
-              <a:rPr b="0" i="0" lang="en-US" sz="1800" u="none" cap="none" strike="noStrike">
-                <a:solidFill>
-                  <a:schemeClr val="lt1"/>
-                </a:solidFill>
-                <a:latin typeface="Bookman Old Style"/>
-                <a:ea typeface="Bookman Old Style"/>
-                <a:cs typeface="Bookman Old Style"/>
-                <a:sym typeface="Bookman Old Style"/>
-              </a:rPr>
-              <a:t>to generate new columns.</a:t>
+              <a:t>Extracted ‘year’, ‘month’ and ‘Weekday’ from Date Of Stop and timestamp and minutes from Time Of Stop to generate new columns</a:t>
             </a:r>
             <a:endParaRPr/>
           </a:p>
@@ -27517,8 +27109,8 @@
         </p:blipFill>
         <p:spPr>
           <a:xfrm>
-            <a:off x="1504000" y="2396288"/>
-            <a:ext cx="7858125" cy="1095375"/>
+            <a:off x="1633575" y="2412100"/>
+            <a:ext cx="7791450" cy="1047750"/>
           </a:xfrm>
           <a:prstGeom prst="rect">
             <a:avLst/>
